--- a/doc/forni&beffa_presentazione_prog2.pptx
+++ b/doc/forni&beffa_presentazione_prog2.pptx
@@ -274,6 +274,11 @@
       </a:defRPr>
     </a:lvl9pPr>
   </p:defaultTextStyle>
+  <p:extLst>
+    <p:ext uri="{EFAFB233-063F-42B5-8137-9DF3F51BA10A}">
+      <p15:sldGuideLst xmlns:p15="http://schemas.microsoft.com/office/powerpoint/2012/main"/>
+    </p:ext>
+  </p:extLst>
 </p:presentation>
 </file>
 
@@ -482,6 +487,11 @@
         </p:txBody>
       </p:sp>
     </p:spTree>
+    <p:extLst>
+      <p:ext uri="{BB962C8B-B14F-4D97-AF65-F5344CB8AC3E}">
+        <p14:creationId xmlns:p14="http://schemas.microsoft.com/office/powerpoint/2010/main" val="792309338"/>
+      </p:ext>
+    </p:extLst>
   </p:cSld>
   <p:clrMap bg1="lt1" tx1="dk1" bg2="dk2" tx2="lt2" accent1="accent1" accent2="accent2" accent3="accent3" accent4="accent4" accent5="accent5" accent6="accent6" hlink="hlink" folHlink="folHlink"/>
   <p:notesStyle>
@@ -813,6 +823,11 @@
         </p:txBody>
       </p:sp>
     </p:spTree>
+    <p:extLst>
+      <p:ext uri="{BB962C8B-B14F-4D97-AF65-F5344CB8AC3E}">
+        <p14:creationId xmlns:p14="http://schemas.microsoft.com/office/powerpoint/2010/main" val="2012437915"/>
+      </p:ext>
+    </p:extLst>
   </p:cSld>
   <p:clrMapOvr>
     <a:masterClrMapping/>
@@ -917,6 +932,11 @@
         </p:txBody>
       </p:sp>
     </p:spTree>
+    <p:extLst>
+      <p:ext uri="{BB962C8B-B14F-4D97-AF65-F5344CB8AC3E}">
+        <p14:creationId xmlns:p14="http://schemas.microsoft.com/office/powerpoint/2010/main" val="3066940240"/>
+      </p:ext>
+    </p:extLst>
   </p:cSld>
   <p:clrMapOvr>
     <a:masterClrMapping/>
@@ -6661,6 +6681,13 @@
   <p:clrMapOvr>
     <a:masterClrMapping/>
   </p:clrMapOvr>
+  <p:timing>
+    <p:tnLst>
+      <p:par>
+        <p:cTn id="1" dur="indefinite" restart="never" nodeType="tmRoot"/>
+      </p:par>
+    </p:tnLst>
+  </p:timing>
 </p:sld>
 </file>
 
@@ -6686,7 +6713,7 @@
           <p:cNvPr id="4" name="Immagine 3">
             <a:extLst>
               <a:ext uri="{FF2B5EF4-FFF2-40B4-BE49-F238E27FC236}">
-                <a16:creationId xmlns:a16="http://schemas.microsoft.com/office/drawing/2014/main" id="{E197EE54-B933-47F7-A0CA-B4E4E2E0135F}"/>
+                <a16:creationId xmlns:a16="http://schemas.microsoft.com/office/drawing/2014/main" xmlns="" id="{E197EE54-B933-47F7-A0CA-B4E4E2E0135F}"/>
               </a:ext>
             </a:extLst>
           </p:cNvPr>
@@ -6716,7 +6743,7 @@
           <p:cNvPr id="6" name="Immagine 5">
             <a:extLst>
               <a:ext uri="{FF2B5EF4-FFF2-40B4-BE49-F238E27FC236}">
-                <a16:creationId xmlns:a16="http://schemas.microsoft.com/office/drawing/2014/main" id="{B87084D6-D1EB-4A86-BA72-FBFBC5344A33}"/>
+                <a16:creationId xmlns:a16="http://schemas.microsoft.com/office/drawing/2014/main" xmlns="" id="{B87084D6-D1EB-4A86-BA72-FBFBC5344A33}"/>
               </a:ext>
             </a:extLst>
           </p:cNvPr>
@@ -6751,6 +6778,13 @@
   <p:clrMapOvr>
     <a:masterClrMapping/>
   </p:clrMapOvr>
+  <p:timing>
+    <p:tnLst>
+      <p:par>
+        <p:cTn id="1" dur="indefinite" restart="never" nodeType="tmRoot"/>
+      </p:par>
+    </p:tnLst>
+  </p:timing>
 </p:sld>
 </file>
 
@@ -6776,7 +6810,7 @@
           <p:cNvPr id="2" name="Titolo 1">
             <a:extLst>
               <a:ext uri="{FF2B5EF4-FFF2-40B4-BE49-F238E27FC236}">
-                <a16:creationId xmlns:a16="http://schemas.microsoft.com/office/drawing/2014/main" id="{2D73A99C-A85D-4ECE-BA32-E564CFE39ADA}"/>
+                <a16:creationId xmlns:a16="http://schemas.microsoft.com/office/drawing/2014/main" xmlns="" id="{2D73A99C-A85D-4ECE-BA32-E564CFE39ADA}"/>
               </a:ext>
             </a:extLst>
           </p:cNvPr>
@@ -6809,7 +6843,7 @@
           <p:cNvPr id="4" name="Segnaposto testo 3">
             <a:extLst>
               <a:ext uri="{FF2B5EF4-FFF2-40B4-BE49-F238E27FC236}">
-                <a16:creationId xmlns:a16="http://schemas.microsoft.com/office/drawing/2014/main" id="{99BEBF26-1F3D-4185-9411-26265214C66D}"/>
+                <a16:creationId xmlns:a16="http://schemas.microsoft.com/office/drawing/2014/main" xmlns="" id="{99BEBF26-1F3D-4185-9411-26265214C66D}"/>
               </a:ext>
             </a:extLst>
           </p:cNvPr>
@@ -6853,6 +6887,13 @@
   <p:clrMapOvr>
     <a:masterClrMapping/>
   </p:clrMapOvr>
+  <p:timing>
+    <p:tnLst>
+      <p:par>
+        <p:cTn id="1" dur="indefinite" restart="never" nodeType="tmRoot"/>
+      </p:par>
+    </p:tnLst>
+  </p:timing>
 </p:sld>
 </file>
 
@@ -6878,7 +6919,7 @@
           <p:cNvPr id="2" name="Titolo 1">
             <a:extLst>
               <a:ext uri="{FF2B5EF4-FFF2-40B4-BE49-F238E27FC236}">
-                <a16:creationId xmlns:a16="http://schemas.microsoft.com/office/drawing/2014/main" id="{F72E7F66-5241-4DA1-925D-C0855149E8E4}"/>
+                <a16:creationId xmlns:a16="http://schemas.microsoft.com/office/drawing/2014/main" xmlns="" id="{F72E7F66-5241-4DA1-925D-C0855149E8E4}"/>
               </a:ext>
             </a:extLst>
           </p:cNvPr>
@@ -6911,6 +6952,13 @@
   <p:clrMapOvr>
     <a:masterClrMapping/>
   </p:clrMapOvr>
+  <p:timing>
+    <p:tnLst>
+      <p:par>
+        <p:cTn id="1" dur="indefinite" restart="never" nodeType="tmRoot"/>
+      </p:par>
+    </p:tnLst>
+  </p:timing>
 </p:sld>
 </file>
 
@@ -6936,7 +6984,7 @@
           <p:cNvPr id="2" name="Titolo 1">
             <a:extLst>
               <a:ext uri="{FF2B5EF4-FFF2-40B4-BE49-F238E27FC236}">
-                <a16:creationId xmlns:a16="http://schemas.microsoft.com/office/drawing/2014/main" id="{05AD02E5-74E0-4D04-BA44-18AC0675963A}"/>
+                <a16:creationId xmlns:a16="http://schemas.microsoft.com/office/drawing/2014/main" xmlns="" id="{05AD02E5-74E0-4D04-BA44-18AC0675963A}"/>
               </a:ext>
             </a:extLst>
           </p:cNvPr>
@@ -6969,7 +7017,7 @@
           <p:cNvPr id="4" name="Segnaposto testo 3">
             <a:extLst>
               <a:ext uri="{FF2B5EF4-FFF2-40B4-BE49-F238E27FC236}">
-                <a16:creationId xmlns:a16="http://schemas.microsoft.com/office/drawing/2014/main" id="{445596A1-3758-4E0F-AE41-76F5C0F67C74}"/>
+                <a16:creationId xmlns:a16="http://schemas.microsoft.com/office/drawing/2014/main" xmlns="" id="{445596A1-3758-4E0F-AE41-76F5C0F67C74}"/>
               </a:ext>
             </a:extLst>
           </p:cNvPr>
@@ -7014,6 +7062,13 @@
   <p:clrMapOvr>
     <a:masterClrMapping/>
   </p:clrMapOvr>
+  <p:timing>
+    <p:tnLst>
+      <p:par>
+        <p:cTn id="1" dur="indefinite" restart="never" nodeType="tmRoot"/>
+      </p:par>
+    </p:tnLst>
+  </p:timing>
 </p:sld>
 </file>
 
@@ -7039,7 +7094,7 @@
           <p:cNvPr id="4" name="Immagine 3">
             <a:extLst>
               <a:ext uri="{FF2B5EF4-FFF2-40B4-BE49-F238E27FC236}">
-                <a16:creationId xmlns:a16="http://schemas.microsoft.com/office/drawing/2014/main" id="{0D93E09F-9523-4430-ACFC-024E623AAD0B}"/>
+                <a16:creationId xmlns:a16="http://schemas.microsoft.com/office/drawing/2014/main" xmlns="" id="{0D93E09F-9523-4430-ACFC-024E623AAD0B}"/>
               </a:ext>
             </a:extLst>
           </p:cNvPr>
@@ -7074,6 +7129,13 @@
   <p:clrMapOvr>
     <a:masterClrMapping/>
   </p:clrMapOvr>
+  <p:timing>
+    <p:tnLst>
+      <p:par>
+        <p:cTn id="1" dur="indefinite" restart="never" nodeType="tmRoot"/>
+      </p:par>
+    </p:tnLst>
+  </p:timing>
 </p:sld>
 </file>
 
@@ -7099,7 +7161,7 @@
           <p:cNvPr id="2" name="Titolo 1">
             <a:extLst>
               <a:ext uri="{FF2B5EF4-FFF2-40B4-BE49-F238E27FC236}">
-                <a16:creationId xmlns:a16="http://schemas.microsoft.com/office/drawing/2014/main" id="{1FACC930-0765-4217-8E88-3B5BEEF07BC4}"/>
+                <a16:creationId xmlns:a16="http://schemas.microsoft.com/office/drawing/2014/main" xmlns="" id="{1FACC930-0765-4217-8E88-3B5BEEF07BC4}"/>
               </a:ext>
             </a:extLst>
           </p:cNvPr>
@@ -7132,6 +7194,13 @@
   <p:clrMapOvr>
     <a:masterClrMapping/>
   </p:clrMapOvr>
+  <p:timing>
+    <p:tnLst>
+      <p:par>
+        <p:cTn id="1" dur="indefinite" restart="never" nodeType="tmRoot"/>
+      </p:par>
+    </p:tnLst>
+  </p:timing>
 </p:sld>
 </file>
 
@@ -7157,7 +7226,7 @@
           <p:cNvPr id="2" name="Titolo 1">
             <a:extLst>
               <a:ext uri="{FF2B5EF4-FFF2-40B4-BE49-F238E27FC236}">
-                <a16:creationId xmlns:a16="http://schemas.microsoft.com/office/drawing/2014/main" id="{36F7BAA8-7569-485A-8B26-57465DB4CF40}"/>
+                <a16:creationId xmlns:a16="http://schemas.microsoft.com/office/drawing/2014/main" xmlns="" id="{36F7BAA8-7569-485A-8B26-57465DB4CF40}"/>
               </a:ext>
             </a:extLst>
           </p:cNvPr>
@@ -7194,6 +7263,13 @@
   <p:clrMapOvr>
     <a:masterClrMapping/>
   </p:clrMapOvr>
+  <p:timing>
+    <p:tnLst>
+      <p:par>
+        <p:cTn id="1" dur="indefinite" restart="never" nodeType="tmRoot"/>
+      </p:par>
+    </p:tnLst>
+  </p:timing>
 </p:sld>
 </file>
 
@@ -7219,7 +7295,7 @@
           <p:cNvPr id="2" name="Titolo 1">
             <a:extLst>
               <a:ext uri="{FF2B5EF4-FFF2-40B4-BE49-F238E27FC236}">
-                <a16:creationId xmlns:a16="http://schemas.microsoft.com/office/drawing/2014/main" id="{69AFAA87-35FB-4882-A814-3371435872ED}"/>
+                <a16:creationId xmlns:a16="http://schemas.microsoft.com/office/drawing/2014/main" xmlns="" id="{69AFAA87-35FB-4882-A814-3371435872ED}"/>
               </a:ext>
             </a:extLst>
           </p:cNvPr>
@@ -7252,7 +7328,7 @@
           <p:cNvPr id="4" name="Segnaposto testo 3">
             <a:extLst>
               <a:ext uri="{FF2B5EF4-FFF2-40B4-BE49-F238E27FC236}">
-                <a16:creationId xmlns:a16="http://schemas.microsoft.com/office/drawing/2014/main" id="{4FD26C42-D248-47D8-BED9-32265BD61215}"/>
+                <a16:creationId xmlns:a16="http://schemas.microsoft.com/office/drawing/2014/main" xmlns="" id="{4FD26C42-D248-47D8-BED9-32265BD61215}"/>
               </a:ext>
             </a:extLst>
           </p:cNvPr>
@@ -7291,6 +7367,13 @@
   <p:clrMapOvr>
     <a:masterClrMapping/>
   </p:clrMapOvr>
+  <p:timing>
+    <p:tnLst>
+      <p:par>
+        <p:cTn id="1" dur="indefinite" restart="never" nodeType="tmRoot"/>
+      </p:par>
+    </p:tnLst>
+  </p:timing>
 </p:sld>
 </file>
 
@@ -7316,7 +7399,7 @@
           <p:cNvPr id="2" name="Titolo 1">
             <a:extLst>
               <a:ext uri="{FF2B5EF4-FFF2-40B4-BE49-F238E27FC236}">
-                <a16:creationId xmlns:a16="http://schemas.microsoft.com/office/drawing/2014/main" id="{0CFEF209-8018-4494-8431-520D69938A92}"/>
+                <a16:creationId xmlns:a16="http://schemas.microsoft.com/office/drawing/2014/main" xmlns="" id="{0CFEF209-8018-4494-8431-520D69938A92}"/>
               </a:ext>
             </a:extLst>
           </p:cNvPr>
@@ -7349,7 +7432,7 @@
           <p:cNvPr id="4" name="Segnaposto testo 3">
             <a:extLst>
               <a:ext uri="{FF2B5EF4-FFF2-40B4-BE49-F238E27FC236}">
-                <a16:creationId xmlns:a16="http://schemas.microsoft.com/office/drawing/2014/main" id="{87D7CBF7-AF35-4ECC-8170-6402FB34618A}"/>
+                <a16:creationId xmlns:a16="http://schemas.microsoft.com/office/drawing/2014/main" xmlns="" id="{87D7CBF7-AF35-4ECC-8170-6402FB34618A}"/>
               </a:ext>
             </a:extLst>
           </p:cNvPr>
@@ -7388,6 +7471,13 @@
   <p:clrMapOvr>
     <a:masterClrMapping/>
   </p:clrMapOvr>
+  <p:timing>
+    <p:tnLst>
+      <p:par>
+        <p:cTn id="1" dur="indefinite" restart="never" nodeType="tmRoot"/>
+      </p:par>
+    </p:tnLst>
+  </p:timing>
 </p:sld>
 </file>
 
@@ -7413,7 +7503,7 @@
           <p:cNvPr id="2" name="Titolo 1">
             <a:extLst>
               <a:ext uri="{FF2B5EF4-FFF2-40B4-BE49-F238E27FC236}">
-                <a16:creationId xmlns:a16="http://schemas.microsoft.com/office/drawing/2014/main" id="{94C27513-8D10-4101-8056-BAD0A9B8987C}"/>
+                <a16:creationId xmlns:a16="http://schemas.microsoft.com/office/drawing/2014/main" xmlns="" id="{94C27513-8D10-4101-8056-BAD0A9B8987C}"/>
               </a:ext>
             </a:extLst>
           </p:cNvPr>
@@ -7446,6 +7536,13 @@
   <p:clrMapOvr>
     <a:masterClrMapping/>
   </p:clrMapOvr>
+  <p:timing>
+    <p:tnLst>
+      <p:par>
+        <p:cTn id="1" dur="indefinite" restart="never" nodeType="tmRoot"/>
+      </p:par>
+    </p:tnLst>
+  </p:timing>
 </p:sld>
 </file>
 
@@ -7573,6 +7670,13 @@
   <p:clrMapOvr>
     <a:masterClrMapping/>
   </p:clrMapOvr>
+  <p:timing>
+    <p:tnLst>
+      <p:par>
+        <p:cTn id="1" dur="indefinite" restart="never" nodeType="tmRoot"/>
+      </p:par>
+    </p:tnLst>
+  </p:timing>
 </p:sld>
 </file>
 
@@ -7598,7 +7702,7 @@
           <p:cNvPr id="2" name="Titolo 1">
             <a:extLst>
               <a:ext uri="{FF2B5EF4-FFF2-40B4-BE49-F238E27FC236}">
-                <a16:creationId xmlns:a16="http://schemas.microsoft.com/office/drawing/2014/main" id="{1450D818-A588-4B5E-B532-6874D95CAA5D}"/>
+                <a16:creationId xmlns:a16="http://schemas.microsoft.com/office/drawing/2014/main" xmlns="" id="{1450D818-A588-4B5E-B532-6874D95CAA5D}"/>
               </a:ext>
             </a:extLst>
           </p:cNvPr>
@@ -7631,7 +7735,7 @@
           <p:cNvPr id="4" name="Segnaposto testo 3">
             <a:extLst>
               <a:ext uri="{FF2B5EF4-FFF2-40B4-BE49-F238E27FC236}">
-                <a16:creationId xmlns:a16="http://schemas.microsoft.com/office/drawing/2014/main" id="{2AEF2C72-D528-447A-A974-445EDBB318E1}"/>
+                <a16:creationId xmlns:a16="http://schemas.microsoft.com/office/drawing/2014/main" xmlns="" id="{2AEF2C72-D528-447A-A974-445EDBB318E1}"/>
               </a:ext>
             </a:extLst>
           </p:cNvPr>
@@ -7676,6 +7780,13 @@
   <p:clrMapOvr>
     <a:masterClrMapping/>
   </p:clrMapOvr>
+  <p:timing>
+    <p:tnLst>
+      <p:par>
+        <p:cTn id="1" dur="indefinite" restart="never" nodeType="tmRoot"/>
+      </p:par>
+    </p:tnLst>
+  </p:timing>
 </p:sld>
 </file>
 
@@ -7701,7 +7812,7 @@
           <p:cNvPr id="2" name="Titolo 1">
             <a:extLst>
               <a:ext uri="{FF2B5EF4-FFF2-40B4-BE49-F238E27FC236}">
-                <a16:creationId xmlns:a16="http://schemas.microsoft.com/office/drawing/2014/main" id="{E163D91F-0DC1-4D2C-AD82-5B765903CA4C}"/>
+                <a16:creationId xmlns:a16="http://schemas.microsoft.com/office/drawing/2014/main" xmlns="" id="{E163D91F-0DC1-4D2C-AD82-5B765903CA4C}"/>
               </a:ext>
             </a:extLst>
           </p:cNvPr>
@@ -7729,7 +7840,7 @@
           <p:cNvPr id="4" name="Segnaposto testo 3">
             <a:extLst>
               <a:ext uri="{FF2B5EF4-FFF2-40B4-BE49-F238E27FC236}">
-                <a16:creationId xmlns:a16="http://schemas.microsoft.com/office/drawing/2014/main" id="{D8ED4839-9800-471F-9D62-2CA53430B046}"/>
+                <a16:creationId xmlns:a16="http://schemas.microsoft.com/office/drawing/2014/main" xmlns="" id="{D8ED4839-9800-471F-9D62-2CA53430B046}"/>
               </a:ext>
             </a:extLst>
           </p:cNvPr>
@@ -7774,6 +7885,13 @@
   <p:clrMapOvr>
     <a:masterClrMapping/>
   </p:clrMapOvr>
+  <p:timing>
+    <p:tnLst>
+      <p:par>
+        <p:cTn id="1" dur="indefinite" restart="never" nodeType="tmRoot"/>
+      </p:par>
+    </p:tnLst>
+  </p:timing>
 </p:sld>
 </file>
 
@@ -7799,7 +7917,7 @@
           <p:cNvPr id="2" name="Titolo 1">
             <a:extLst>
               <a:ext uri="{FF2B5EF4-FFF2-40B4-BE49-F238E27FC236}">
-                <a16:creationId xmlns:a16="http://schemas.microsoft.com/office/drawing/2014/main" id="{59DE3B86-26D5-4E9F-8AF7-C663C72701DB}"/>
+                <a16:creationId xmlns:a16="http://schemas.microsoft.com/office/drawing/2014/main" xmlns="" id="{59DE3B86-26D5-4E9F-8AF7-C663C72701DB}"/>
               </a:ext>
             </a:extLst>
           </p:cNvPr>
@@ -7827,7 +7945,7 @@
           <p:cNvPr id="3" name="Immagine 2">
             <a:extLst>
               <a:ext uri="{FF2B5EF4-FFF2-40B4-BE49-F238E27FC236}">
-                <a16:creationId xmlns:a16="http://schemas.microsoft.com/office/drawing/2014/main" id="{1EB9AD68-84CD-41C8-8BBA-82CE58DA57E6}"/>
+                <a16:creationId xmlns:a16="http://schemas.microsoft.com/office/drawing/2014/main" xmlns="" id="{1EB9AD68-84CD-41C8-8BBA-82CE58DA57E6}"/>
               </a:ext>
             </a:extLst>
           </p:cNvPr>
@@ -7862,6 +7980,13 @@
   <p:clrMapOvr>
     <a:masterClrMapping/>
   </p:clrMapOvr>
+  <p:timing>
+    <p:tnLst>
+      <p:par>
+        <p:cTn id="1" dur="indefinite" restart="never" nodeType="tmRoot"/>
+      </p:par>
+    </p:tnLst>
+  </p:timing>
 </p:sld>
 </file>
 
@@ -7887,7 +8012,7 @@
           <p:cNvPr id="2" name="Titolo 1">
             <a:extLst>
               <a:ext uri="{FF2B5EF4-FFF2-40B4-BE49-F238E27FC236}">
-                <a16:creationId xmlns:a16="http://schemas.microsoft.com/office/drawing/2014/main" id="{F978D8A1-2E50-4367-8FA3-E0D91154F9BA}"/>
+                <a16:creationId xmlns:a16="http://schemas.microsoft.com/office/drawing/2014/main" xmlns="" id="{F978D8A1-2E50-4367-8FA3-E0D91154F9BA}"/>
               </a:ext>
             </a:extLst>
           </p:cNvPr>
@@ -7915,7 +8040,7 @@
           <p:cNvPr id="4" name="Immagine 3">
             <a:extLst>
               <a:ext uri="{FF2B5EF4-FFF2-40B4-BE49-F238E27FC236}">
-                <a16:creationId xmlns:a16="http://schemas.microsoft.com/office/drawing/2014/main" id="{FBEC5745-4133-412D-AE2A-203CBD9B59C0}"/>
+                <a16:creationId xmlns:a16="http://schemas.microsoft.com/office/drawing/2014/main" xmlns="" id="{FBEC5745-4133-412D-AE2A-203CBD9B59C0}"/>
               </a:ext>
             </a:extLst>
           </p:cNvPr>
@@ -7950,6 +8075,13 @@
   <p:clrMapOvr>
     <a:masterClrMapping/>
   </p:clrMapOvr>
+  <p:timing>
+    <p:tnLst>
+      <p:par>
+        <p:cTn id="1" dur="indefinite" restart="never" nodeType="tmRoot"/>
+      </p:par>
+    </p:tnLst>
+  </p:timing>
 </p:sld>
 </file>
 
@@ -7975,7 +8107,7 @@
           <p:cNvPr id="2" name="Titolo 1">
             <a:extLst>
               <a:ext uri="{FF2B5EF4-FFF2-40B4-BE49-F238E27FC236}">
-                <a16:creationId xmlns:a16="http://schemas.microsoft.com/office/drawing/2014/main" id="{039124A8-829A-47CB-A02F-351D46B62238}"/>
+                <a16:creationId xmlns:a16="http://schemas.microsoft.com/office/drawing/2014/main" xmlns="" id="{039124A8-829A-47CB-A02F-351D46B62238}"/>
               </a:ext>
             </a:extLst>
           </p:cNvPr>
@@ -8008,6 +8140,13 @@
   <p:clrMapOvr>
     <a:masterClrMapping/>
   </p:clrMapOvr>
+  <p:timing>
+    <p:tnLst>
+      <p:par>
+        <p:cTn id="1" dur="indefinite" restart="never" nodeType="tmRoot"/>
+      </p:par>
+    </p:tnLst>
+  </p:timing>
 </p:sld>
 </file>
 
@@ -8033,7 +8172,7 @@
           <p:cNvPr id="2" name="Titolo 1">
             <a:extLst>
               <a:ext uri="{FF2B5EF4-FFF2-40B4-BE49-F238E27FC236}">
-                <a16:creationId xmlns:a16="http://schemas.microsoft.com/office/drawing/2014/main" id="{E5311F4B-628B-47BD-98FE-3519C5BDBA36}"/>
+                <a16:creationId xmlns:a16="http://schemas.microsoft.com/office/drawing/2014/main" xmlns="" id="{E5311F4B-628B-47BD-98FE-3519C5BDBA36}"/>
               </a:ext>
             </a:extLst>
           </p:cNvPr>
@@ -8061,7 +8200,7 @@
           <p:cNvPr id="3" name="Sottotitolo 2">
             <a:extLst>
               <a:ext uri="{FF2B5EF4-FFF2-40B4-BE49-F238E27FC236}">
-                <a16:creationId xmlns:a16="http://schemas.microsoft.com/office/drawing/2014/main" id="{8BC5BB99-0D9A-4D4A-9E8E-2DE3B1B8488F}"/>
+                <a16:creationId xmlns:a16="http://schemas.microsoft.com/office/drawing/2014/main" xmlns="" id="{8BC5BB99-0D9A-4D4A-9E8E-2DE3B1B8488F}"/>
               </a:ext>
             </a:extLst>
           </p:cNvPr>
@@ -8089,7 +8228,7 @@
           <p:cNvPr id="4" name="Segnaposto testo 3">
             <a:extLst>
               <a:ext uri="{FF2B5EF4-FFF2-40B4-BE49-F238E27FC236}">
-                <a16:creationId xmlns:a16="http://schemas.microsoft.com/office/drawing/2014/main" id="{3579A793-E688-4F29-95A3-5EFA8E7FCA98}"/>
+                <a16:creationId xmlns:a16="http://schemas.microsoft.com/office/drawing/2014/main" xmlns="" id="{3579A793-E688-4F29-95A3-5EFA8E7FCA98}"/>
               </a:ext>
             </a:extLst>
           </p:cNvPr>
@@ -8134,6 +8273,13 @@
   <p:clrMapOvr>
     <a:masterClrMapping/>
   </p:clrMapOvr>
+  <p:timing>
+    <p:tnLst>
+      <p:par>
+        <p:cTn id="1" dur="indefinite" restart="never" nodeType="tmRoot"/>
+      </p:par>
+    </p:tnLst>
+  </p:timing>
 </p:sld>
 </file>
 

--- a/doc/forni&beffa_presentazione_prog2.pptx
+++ b/doc/forni&beffa_presentazione_prog2.pptx
@@ -5,7 +5,7 @@
     <p:sldMasterId id="2147483659" r:id="rId1"/>
   </p:sldMasterIdLst>
   <p:notesMasterIdLst>
-    <p:notesMasterId r:id="rId20"/>
+    <p:notesMasterId r:id="rId21"/>
   </p:notesMasterIdLst>
   <p:sldIdLst>
     <p:sldId id="256" r:id="rId2"/>
@@ -14,35 +14,36 @@
     <p:sldId id="276" r:id="rId5"/>
     <p:sldId id="259" r:id="rId6"/>
     <p:sldId id="263" r:id="rId7"/>
-    <p:sldId id="264" r:id="rId8"/>
-    <p:sldId id="265" r:id="rId9"/>
-    <p:sldId id="267" r:id="rId10"/>
-    <p:sldId id="268" r:id="rId11"/>
-    <p:sldId id="269" r:id="rId12"/>
-    <p:sldId id="270" r:id="rId13"/>
-    <p:sldId id="271" r:id="rId14"/>
-    <p:sldId id="272" r:id="rId15"/>
-    <p:sldId id="273" r:id="rId16"/>
-    <p:sldId id="274" r:id="rId17"/>
-    <p:sldId id="275" r:id="rId18"/>
-    <p:sldId id="277" r:id="rId19"/>
+    <p:sldId id="278" r:id="rId8"/>
+    <p:sldId id="264" r:id="rId9"/>
+    <p:sldId id="265" r:id="rId10"/>
+    <p:sldId id="267" r:id="rId11"/>
+    <p:sldId id="268" r:id="rId12"/>
+    <p:sldId id="269" r:id="rId13"/>
+    <p:sldId id="270" r:id="rId14"/>
+    <p:sldId id="271" r:id="rId15"/>
+    <p:sldId id="272" r:id="rId16"/>
+    <p:sldId id="273" r:id="rId17"/>
+    <p:sldId id="274" r:id="rId18"/>
+    <p:sldId id="275" r:id="rId19"/>
+    <p:sldId id="277" r:id="rId20"/>
   </p:sldIdLst>
   <p:sldSz cx="9144000" cy="5143500" type="screen16x9"/>
   <p:notesSz cx="6858000" cy="9144000"/>
   <p:embeddedFontLst>
     <p:embeddedFont>
       <p:font typeface="Economica" panose="020B0604020202020204" charset="0"/>
-      <p:regular r:id="rId21"/>
-      <p:bold r:id="rId22"/>
-      <p:italic r:id="rId23"/>
-      <p:boldItalic r:id="rId24"/>
+      <p:regular r:id="rId22"/>
+      <p:bold r:id="rId23"/>
+      <p:italic r:id="rId24"/>
+      <p:boldItalic r:id="rId25"/>
     </p:embeddedFont>
     <p:embeddedFont>
       <p:font typeface="Open Sans" panose="020B0604020202020204" charset="0"/>
-      <p:regular r:id="rId25"/>
-      <p:bold r:id="rId26"/>
-      <p:italic r:id="rId27"/>
-      <p:boldItalic r:id="rId28"/>
+      <p:regular r:id="rId26"/>
+      <p:bold r:id="rId27"/>
+      <p:italic r:id="rId28"/>
+      <p:boldItalic r:id="rId29"/>
     </p:embeddedFont>
   </p:embeddedFontLst>
   <p:defaultTextStyle>
@@ -6708,12 +6709,145 @@
           <a:chExt cx="0" cy="0"/>
         </a:xfrm>
       </p:grpSpPr>
+      <p:sp>
+        <p:nvSpPr>
+          <p:cNvPr id="2" name="Titolo 1">
+            <a:extLst>
+              <a:ext uri="{FF2B5EF4-FFF2-40B4-BE49-F238E27FC236}">
+                <a16:creationId xmlns="" xmlns:a16="http://schemas.microsoft.com/office/drawing/2014/main" id="{E5311F4B-628B-47BD-98FE-3519C5BDBA36}"/>
+              </a:ext>
+            </a:extLst>
+          </p:cNvPr>
+          <p:cNvSpPr>
+            <a:spLocks noGrp="1"/>
+          </p:cNvSpPr>
+          <p:nvPr>
+            <p:ph type="title"/>
+          </p:nvPr>
+        </p:nvSpPr>
+        <p:spPr/>
+        <p:txBody>
+          <a:bodyPr/>
+          <a:lstStyle/>
+          <a:p>
+            <a:r>
+              <a:rPr lang="it-CH" dirty="0"/>
+              <a:t>Implementazione libreria</a:t>
+            </a:r>
+          </a:p>
+        </p:txBody>
+      </p:sp>
+      <p:sp>
+        <p:nvSpPr>
+          <p:cNvPr id="3" name="Sottotitolo 2">
+            <a:extLst>
+              <a:ext uri="{FF2B5EF4-FFF2-40B4-BE49-F238E27FC236}">
+                <a16:creationId xmlns="" xmlns:a16="http://schemas.microsoft.com/office/drawing/2014/main" id="{8BC5BB99-0D9A-4D4A-9E8E-2DE3B1B8488F}"/>
+              </a:ext>
+            </a:extLst>
+          </p:cNvPr>
+          <p:cNvSpPr>
+            <a:spLocks noGrp="1"/>
+          </p:cNvSpPr>
+          <p:nvPr>
+            <p:ph type="subTitle" idx="1"/>
+          </p:nvPr>
+        </p:nvSpPr>
+        <p:spPr/>
+        <p:txBody>
+          <a:bodyPr/>
+          <a:lstStyle/>
+          <a:p>
+            <a:r>
+              <a:rPr lang="it-CH" dirty="0"/>
+              <a:t>Come l’abbiamo pensata</a:t>
+            </a:r>
+          </a:p>
+        </p:txBody>
+      </p:sp>
+      <p:sp>
+        <p:nvSpPr>
+          <p:cNvPr id="4" name="Segnaposto testo 3">
+            <a:extLst>
+              <a:ext uri="{FF2B5EF4-FFF2-40B4-BE49-F238E27FC236}">
+                <a16:creationId xmlns="" xmlns:a16="http://schemas.microsoft.com/office/drawing/2014/main" id="{3579A793-E688-4F29-95A3-5EFA8E7FCA98}"/>
+              </a:ext>
+            </a:extLst>
+          </p:cNvPr>
+          <p:cNvSpPr>
+            <a:spLocks noGrp="1"/>
+          </p:cNvSpPr>
+          <p:nvPr>
+            <p:ph type="body" idx="2"/>
+          </p:nvPr>
+        </p:nvSpPr>
+        <p:spPr/>
+        <p:txBody>
+          <a:bodyPr/>
+          <a:lstStyle/>
+          <a:p>
+            <a:r>
+              <a:rPr lang="it-CH" dirty="0"/>
+              <a:t>Struttura semplice</a:t>
+            </a:r>
+          </a:p>
+          <a:p>
+            <a:r>
+              <a:rPr lang="it-CH" dirty="0"/>
+              <a:t>Facile da utilizzare</a:t>
+            </a:r>
+          </a:p>
+          <a:p>
+            <a:r>
+              <a:rPr lang="it-CH" dirty="0"/>
+              <a:t>Intuitiva</a:t>
+            </a:r>
+          </a:p>
+        </p:txBody>
+      </p:sp>
+    </p:spTree>
+    <p:extLst>
+      <p:ext uri="{BB962C8B-B14F-4D97-AF65-F5344CB8AC3E}">
+        <p14:creationId xmlns:p14="http://schemas.microsoft.com/office/powerpoint/2010/main" val="945673003"/>
+      </p:ext>
+    </p:extLst>
+  </p:cSld>
+  <p:clrMapOvr>
+    <a:masterClrMapping/>
+  </p:clrMapOvr>
+  <p:timing>
+    <p:tnLst>
+      <p:par>
+        <p:cTn id="1" dur="indefinite" restart="never" nodeType="tmRoot"/>
+      </p:par>
+    </p:tnLst>
+  </p:timing>
+</p:sld>
+</file>
+
+<file path=ppt/slides/slide11.xml><?xml version="1.0" encoding="utf-8"?>
+<p:sld xmlns:a="http://schemas.openxmlformats.org/drawingml/2006/main" xmlns:r="http://schemas.openxmlformats.org/officeDocument/2006/relationships" xmlns:p="http://schemas.openxmlformats.org/presentationml/2006/main">
+  <p:cSld>
+    <p:spTree>
+      <p:nvGrpSpPr>
+        <p:cNvPr id="1" name=""/>
+        <p:cNvGrpSpPr/>
+        <p:nvPr/>
+      </p:nvGrpSpPr>
+      <p:grpSpPr>
+        <a:xfrm>
+          <a:off x="0" y="0"/>
+          <a:ext cx="0" cy="0"/>
+          <a:chOff x="0" y="0"/>
+          <a:chExt cx="0" cy="0"/>
+        </a:xfrm>
+      </p:grpSpPr>
       <p:pic>
         <p:nvPicPr>
           <p:cNvPr id="4" name="Immagine 3">
             <a:extLst>
               <a:ext uri="{FF2B5EF4-FFF2-40B4-BE49-F238E27FC236}">
-                <a16:creationId xmlns:a16="http://schemas.microsoft.com/office/drawing/2014/main" xmlns="" id="{E197EE54-B933-47F7-A0CA-B4E4E2E0135F}"/>
+                <a16:creationId xmlns="" xmlns:a16="http://schemas.microsoft.com/office/drawing/2014/main" id="{E197EE54-B933-47F7-A0CA-B4E4E2E0135F}"/>
               </a:ext>
             </a:extLst>
           </p:cNvPr>
@@ -6743,7 +6877,7 @@
           <p:cNvPr id="6" name="Immagine 5">
             <a:extLst>
               <a:ext uri="{FF2B5EF4-FFF2-40B4-BE49-F238E27FC236}">
-                <a16:creationId xmlns:a16="http://schemas.microsoft.com/office/drawing/2014/main" xmlns="" id="{B87084D6-D1EB-4A86-BA72-FBFBC5344A33}"/>
+                <a16:creationId xmlns="" xmlns:a16="http://schemas.microsoft.com/office/drawing/2014/main" id="{B87084D6-D1EB-4A86-BA72-FBFBC5344A33}"/>
               </a:ext>
             </a:extLst>
           </p:cNvPr>
@@ -6788,7 +6922,7 @@
 </p:sld>
 </file>
 
-<file path=ppt/slides/slide11.xml><?xml version="1.0" encoding="utf-8"?>
+<file path=ppt/slides/slide12.xml><?xml version="1.0" encoding="utf-8"?>
 <p:sld xmlns:a="http://schemas.openxmlformats.org/drawingml/2006/main" xmlns:r="http://schemas.openxmlformats.org/officeDocument/2006/relationships" xmlns:p="http://schemas.openxmlformats.org/presentationml/2006/main">
   <p:cSld>
     <p:spTree>
@@ -6810,7 +6944,7 @@
           <p:cNvPr id="2" name="Titolo 1">
             <a:extLst>
               <a:ext uri="{FF2B5EF4-FFF2-40B4-BE49-F238E27FC236}">
-                <a16:creationId xmlns:a16="http://schemas.microsoft.com/office/drawing/2014/main" xmlns="" id="{2D73A99C-A85D-4ECE-BA32-E564CFE39ADA}"/>
+                <a16:creationId xmlns="" xmlns:a16="http://schemas.microsoft.com/office/drawing/2014/main" id="{2D73A99C-A85D-4ECE-BA32-E564CFE39ADA}"/>
               </a:ext>
             </a:extLst>
           </p:cNvPr>
@@ -6843,7 +6977,7 @@
           <p:cNvPr id="4" name="Segnaposto testo 3">
             <a:extLst>
               <a:ext uri="{FF2B5EF4-FFF2-40B4-BE49-F238E27FC236}">
-                <a16:creationId xmlns:a16="http://schemas.microsoft.com/office/drawing/2014/main" xmlns="" id="{99BEBF26-1F3D-4185-9411-26265214C66D}"/>
+                <a16:creationId xmlns="" xmlns:a16="http://schemas.microsoft.com/office/drawing/2014/main" id="{99BEBF26-1F3D-4185-9411-26265214C66D}"/>
               </a:ext>
             </a:extLst>
           </p:cNvPr>
@@ -6897,7 +7031,7 @@
 </p:sld>
 </file>
 
-<file path=ppt/slides/slide12.xml><?xml version="1.0" encoding="utf-8"?>
+<file path=ppt/slides/slide13.xml><?xml version="1.0" encoding="utf-8"?>
 <p:sld xmlns:a="http://schemas.openxmlformats.org/drawingml/2006/main" xmlns:r="http://schemas.openxmlformats.org/officeDocument/2006/relationships" xmlns:p="http://schemas.openxmlformats.org/presentationml/2006/main">
   <p:cSld>
     <p:spTree>
@@ -6919,7 +7053,7 @@
           <p:cNvPr id="2" name="Titolo 1">
             <a:extLst>
               <a:ext uri="{FF2B5EF4-FFF2-40B4-BE49-F238E27FC236}">
-                <a16:creationId xmlns:a16="http://schemas.microsoft.com/office/drawing/2014/main" xmlns="" id="{F72E7F66-5241-4DA1-925D-C0855149E8E4}"/>
+                <a16:creationId xmlns="" xmlns:a16="http://schemas.microsoft.com/office/drawing/2014/main" id="{F72E7F66-5241-4DA1-925D-C0855149E8E4}"/>
               </a:ext>
             </a:extLst>
           </p:cNvPr>
@@ -6962,7 +7096,7 @@
 </p:sld>
 </file>
 
-<file path=ppt/slides/slide13.xml><?xml version="1.0" encoding="utf-8"?>
+<file path=ppt/slides/slide14.xml><?xml version="1.0" encoding="utf-8"?>
 <p:sld xmlns:a="http://schemas.openxmlformats.org/drawingml/2006/main" xmlns:r="http://schemas.openxmlformats.org/officeDocument/2006/relationships" xmlns:p="http://schemas.openxmlformats.org/presentationml/2006/main">
   <p:cSld>
     <p:spTree>
@@ -6984,7 +7118,7 @@
           <p:cNvPr id="2" name="Titolo 1">
             <a:extLst>
               <a:ext uri="{FF2B5EF4-FFF2-40B4-BE49-F238E27FC236}">
-                <a16:creationId xmlns:a16="http://schemas.microsoft.com/office/drawing/2014/main" xmlns="" id="{05AD02E5-74E0-4D04-BA44-18AC0675963A}"/>
+                <a16:creationId xmlns="" xmlns:a16="http://schemas.microsoft.com/office/drawing/2014/main" id="{05AD02E5-74E0-4D04-BA44-18AC0675963A}"/>
               </a:ext>
             </a:extLst>
           </p:cNvPr>
@@ -7017,7 +7151,7 @@
           <p:cNvPr id="4" name="Segnaposto testo 3">
             <a:extLst>
               <a:ext uri="{FF2B5EF4-FFF2-40B4-BE49-F238E27FC236}">
-                <a16:creationId xmlns:a16="http://schemas.microsoft.com/office/drawing/2014/main" xmlns="" id="{445596A1-3758-4E0F-AE41-76F5C0F67C74}"/>
+                <a16:creationId xmlns="" xmlns:a16="http://schemas.microsoft.com/office/drawing/2014/main" id="{445596A1-3758-4E0F-AE41-76F5C0F67C74}"/>
               </a:ext>
             </a:extLst>
           </p:cNvPr>
@@ -7072,7 +7206,7 @@
 </p:sld>
 </file>
 
-<file path=ppt/slides/slide14.xml><?xml version="1.0" encoding="utf-8"?>
+<file path=ppt/slides/slide15.xml><?xml version="1.0" encoding="utf-8"?>
 <p:sld xmlns:a="http://schemas.openxmlformats.org/drawingml/2006/main" xmlns:r="http://schemas.openxmlformats.org/officeDocument/2006/relationships" xmlns:p="http://schemas.openxmlformats.org/presentationml/2006/main">
   <p:cSld>
     <p:spTree>
@@ -7094,7 +7228,7 @@
           <p:cNvPr id="4" name="Immagine 3">
             <a:extLst>
               <a:ext uri="{FF2B5EF4-FFF2-40B4-BE49-F238E27FC236}">
-                <a16:creationId xmlns:a16="http://schemas.microsoft.com/office/drawing/2014/main" xmlns="" id="{0D93E09F-9523-4430-ACFC-024E623AAD0B}"/>
+                <a16:creationId xmlns="" xmlns:a16="http://schemas.microsoft.com/office/drawing/2014/main" id="{0D93E09F-9523-4430-ACFC-024E623AAD0B}"/>
               </a:ext>
             </a:extLst>
           </p:cNvPr>
@@ -7139,7 +7273,7 @@
 </p:sld>
 </file>
 
-<file path=ppt/slides/slide15.xml><?xml version="1.0" encoding="utf-8"?>
+<file path=ppt/slides/slide16.xml><?xml version="1.0" encoding="utf-8"?>
 <p:sld xmlns:a="http://schemas.openxmlformats.org/drawingml/2006/main" xmlns:r="http://schemas.openxmlformats.org/officeDocument/2006/relationships" xmlns:p="http://schemas.openxmlformats.org/presentationml/2006/main">
   <p:cSld>
     <p:spTree>
@@ -7161,7 +7295,7 @@
           <p:cNvPr id="2" name="Titolo 1">
             <a:extLst>
               <a:ext uri="{FF2B5EF4-FFF2-40B4-BE49-F238E27FC236}">
-                <a16:creationId xmlns:a16="http://schemas.microsoft.com/office/drawing/2014/main" xmlns="" id="{1FACC930-0765-4217-8E88-3B5BEEF07BC4}"/>
+                <a16:creationId xmlns="" xmlns:a16="http://schemas.microsoft.com/office/drawing/2014/main" id="{1FACC930-0765-4217-8E88-3B5BEEF07BC4}"/>
               </a:ext>
             </a:extLst>
           </p:cNvPr>
@@ -7204,7 +7338,7 @@
 </p:sld>
 </file>
 
-<file path=ppt/slides/slide16.xml><?xml version="1.0" encoding="utf-8"?>
+<file path=ppt/slides/slide17.xml><?xml version="1.0" encoding="utf-8"?>
 <p:sld xmlns:a="http://schemas.openxmlformats.org/drawingml/2006/main" xmlns:r="http://schemas.openxmlformats.org/officeDocument/2006/relationships" xmlns:p="http://schemas.openxmlformats.org/presentationml/2006/main">
   <p:cSld>
     <p:spTree>
@@ -7226,7 +7360,7 @@
           <p:cNvPr id="2" name="Titolo 1">
             <a:extLst>
               <a:ext uri="{FF2B5EF4-FFF2-40B4-BE49-F238E27FC236}">
-                <a16:creationId xmlns:a16="http://schemas.microsoft.com/office/drawing/2014/main" xmlns="" id="{36F7BAA8-7569-485A-8B26-57465DB4CF40}"/>
+                <a16:creationId xmlns="" xmlns:a16="http://schemas.microsoft.com/office/drawing/2014/main" id="{36F7BAA8-7569-485A-8B26-57465DB4CF40}"/>
               </a:ext>
             </a:extLst>
           </p:cNvPr>
@@ -7273,7 +7407,7 @@
 </p:sld>
 </file>
 
-<file path=ppt/slides/slide17.xml><?xml version="1.0" encoding="utf-8"?>
+<file path=ppt/slides/slide18.xml><?xml version="1.0" encoding="utf-8"?>
 <p:sld xmlns:a="http://schemas.openxmlformats.org/drawingml/2006/main" xmlns:r="http://schemas.openxmlformats.org/officeDocument/2006/relationships" xmlns:p="http://schemas.openxmlformats.org/presentationml/2006/main">
   <p:cSld>
     <p:spTree>
@@ -7295,7 +7429,7 @@
           <p:cNvPr id="2" name="Titolo 1">
             <a:extLst>
               <a:ext uri="{FF2B5EF4-FFF2-40B4-BE49-F238E27FC236}">
-                <a16:creationId xmlns:a16="http://schemas.microsoft.com/office/drawing/2014/main" xmlns="" id="{69AFAA87-35FB-4882-A814-3371435872ED}"/>
+                <a16:creationId xmlns="" xmlns:a16="http://schemas.microsoft.com/office/drawing/2014/main" id="{69AFAA87-35FB-4882-A814-3371435872ED}"/>
               </a:ext>
             </a:extLst>
           </p:cNvPr>
@@ -7328,7 +7462,7 @@
           <p:cNvPr id="4" name="Segnaposto testo 3">
             <a:extLst>
               <a:ext uri="{FF2B5EF4-FFF2-40B4-BE49-F238E27FC236}">
-                <a16:creationId xmlns:a16="http://schemas.microsoft.com/office/drawing/2014/main" xmlns="" id="{4FD26C42-D248-47D8-BED9-32265BD61215}"/>
+                <a16:creationId xmlns="" xmlns:a16="http://schemas.microsoft.com/office/drawing/2014/main" id="{4FD26C42-D248-47D8-BED9-32265BD61215}"/>
               </a:ext>
             </a:extLst>
           </p:cNvPr>
@@ -7377,7 +7511,7 @@
 </p:sld>
 </file>
 
-<file path=ppt/slides/slide18.xml><?xml version="1.0" encoding="utf-8"?>
+<file path=ppt/slides/slide19.xml><?xml version="1.0" encoding="utf-8"?>
 <p:sld xmlns:a="http://schemas.openxmlformats.org/drawingml/2006/main" xmlns:r="http://schemas.openxmlformats.org/officeDocument/2006/relationships" xmlns:p="http://schemas.openxmlformats.org/presentationml/2006/main">
   <p:cSld>
     <p:spTree>
@@ -7399,7 +7533,7 @@
           <p:cNvPr id="2" name="Titolo 1">
             <a:extLst>
               <a:ext uri="{FF2B5EF4-FFF2-40B4-BE49-F238E27FC236}">
-                <a16:creationId xmlns:a16="http://schemas.microsoft.com/office/drawing/2014/main" xmlns="" id="{0CFEF209-8018-4494-8431-520D69938A92}"/>
+                <a16:creationId xmlns="" xmlns:a16="http://schemas.microsoft.com/office/drawing/2014/main" id="{0CFEF209-8018-4494-8431-520D69938A92}"/>
               </a:ext>
             </a:extLst>
           </p:cNvPr>
@@ -7432,7 +7566,7 @@
           <p:cNvPr id="4" name="Segnaposto testo 3">
             <a:extLst>
               <a:ext uri="{FF2B5EF4-FFF2-40B4-BE49-F238E27FC236}">
-                <a16:creationId xmlns:a16="http://schemas.microsoft.com/office/drawing/2014/main" xmlns="" id="{87D7CBF7-AF35-4ECC-8170-6402FB34618A}"/>
+                <a16:creationId xmlns="" xmlns:a16="http://schemas.microsoft.com/office/drawing/2014/main" id="{87D7CBF7-AF35-4ECC-8170-6402FB34618A}"/>
               </a:ext>
             </a:extLst>
           </p:cNvPr>
@@ -7503,7 +7637,7 @@
           <p:cNvPr id="2" name="Titolo 1">
             <a:extLst>
               <a:ext uri="{FF2B5EF4-FFF2-40B4-BE49-F238E27FC236}">
-                <a16:creationId xmlns:a16="http://schemas.microsoft.com/office/drawing/2014/main" xmlns="" id="{94C27513-8D10-4101-8056-BAD0A9B8987C}"/>
+                <a16:creationId xmlns="" xmlns:a16="http://schemas.microsoft.com/office/drawing/2014/main" id="{94C27513-8D10-4101-8056-BAD0A9B8987C}"/>
               </a:ext>
             </a:extLst>
           </p:cNvPr>
@@ -7702,7 +7836,7 @@
           <p:cNvPr id="2" name="Titolo 1">
             <a:extLst>
               <a:ext uri="{FF2B5EF4-FFF2-40B4-BE49-F238E27FC236}">
-                <a16:creationId xmlns:a16="http://schemas.microsoft.com/office/drawing/2014/main" xmlns="" id="{1450D818-A588-4B5E-B532-6874D95CAA5D}"/>
+                <a16:creationId xmlns="" xmlns:a16="http://schemas.microsoft.com/office/drawing/2014/main" id="{1450D818-A588-4B5E-B532-6874D95CAA5D}"/>
               </a:ext>
             </a:extLst>
           </p:cNvPr>
@@ -7735,7 +7869,7 @@
           <p:cNvPr id="4" name="Segnaposto testo 3">
             <a:extLst>
               <a:ext uri="{FF2B5EF4-FFF2-40B4-BE49-F238E27FC236}">
-                <a16:creationId xmlns:a16="http://schemas.microsoft.com/office/drawing/2014/main" xmlns="" id="{2AEF2C72-D528-447A-A974-445EDBB318E1}"/>
+                <a16:creationId xmlns="" xmlns:a16="http://schemas.microsoft.com/office/drawing/2014/main" id="{2AEF2C72-D528-447A-A974-445EDBB318E1}"/>
               </a:ext>
             </a:extLst>
           </p:cNvPr>
@@ -7812,7 +7946,7 @@
           <p:cNvPr id="2" name="Titolo 1">
             <a:extLst>
               <a:ext uri="{FF2B5EF4-FFF2-40B4-BE49-F238E27FC236}">
-                <a16:creationId xmlns:a16="http://schemas.microsoft.com/office/drawing/2014/main" xmlns="" id="{E163D91F-0DC1-4D2C-AD82-5B765903CA4C}"/>
+                <a16:creationId xmlns="" xmlns:a16="http://schemas.microsoft.com/office/drawing/2014/main" id="{E163D91F-0DC1-4D2C-AD82-5B765903CA4C}"/>
               </a:ext>
             </a:extLst>
           </p:cNvPr>
@@ -7840,7 +7974,7 @@
           <p:cNvPr id="4" name="Segnaposto testo 3">
             <a:extLst>
               <a:ext uri="{FF2B5EF4-FFF2-40B4-BE49-F238E27FC236}">
-                <a16:creationId xmlns:a16="http://schemas.microsoft.com/office/drawing/2014/main" xmlns="" id="{D8ED4839-9800-471F-9D62-2CA53430B046}"/>
+                <a16:creationId xmlns="" xmlns:a16="http://schemas.microsoft.com/office/drawing/2014/main" id="{D8ED4839-9800-471F-9D62-2CA53430B046}"/>
               </a:ext>
             </a:extLst>
           </p:cNvPr>
@@ -7917,7 +8051,7 @@
           <p:cNvPr id="2" name="Titolo 1">
             <a:extLst>
               <a:ext uri="{FF2B5EF4-FFF2-40B4-BE49-F238E27FC236}">
-                <a16:creationId xmlns:a16="http://schemas.microsoft.com/office/drawing/2014/main" xmlns="" id="{59DE3B86-26D5-4E9F-8AF7-C663C72701DB}"/>
+                <a16:creationId xmlns="" xmlns:a16="http://schemas.microsoft.com/office/drawing/2014/main" id="{59DE3B86-26D5-4E9F-8AF7-C663C72701DB}"/>
               </a:ext>
             </a:extLst>
           </p:cNvPr>
@@ -7934,9 +8068,10 @@
           <a:lstStyle/>
           <a:p>
             <a:r>
-              <a:rPr lang="it-CH" dirty="0"/>
-              <a:t>Progettazione</a:t>
+              <a:rPr lang="it-CH" dirty="0" smtClean="0"/>
+              <a:t>Progettazione - Preventivo</a:t>
             </a:r>
+            <a:endParaRPr lang="it-CH" dirty="0"/>
           </a:p>
         </p:txBody>
       </p:sp>
@@ -7945,7 +8080,7 @@
           <p:cNvPr id="3" name="Immagine 2">
             <a:extLst>
               <a:ext uri="{FF2B5EF4-FFF2-40B4-BE49-F238E27FC236}">
-                <a16:creationId xmlns:a16="http://schemas.microsoft.com/office/drawing/2014/main" xmlns="" id="{1EB9AD68-84CD-41C8-8BBA-82CE58DA57E6}"/>
+                <a16:creationId xmlns="" xmlns:a16="http://schemas.microsoft.com/office/drawing/2014/main" id="{1EB9AD68-84CD-41C8-8BBA-82CE58DA57E6}"/>
               </a:ext>
             </a:extLst>
           </p:cNvPr>
@@ -7962,8 +8097,8 @@
         </p:blipFill>
         <p:spPr>
           <a:xfrm>
-            <a:off x="0" y="1147225"/>
-            <a:ext cx="9144000" cy="3647084"/>
+            <a:off x="0" y="1093155"/>
+            <a:ext cx="9144000" cy="3946358"/>
           </a:xfrm>
           <a:prstGeom prst="rect">
             <a:avLst/>
@@ -8012,7 +8147,103 @@
           <p:cNvPr id="2" name="Titolo 1">
             <a:extLst>
               <a:ext uri="{FF2B5EF4-FFF2-40B4-BE49-F238E27FC236}">
-                <a16:creationId xmlns:a16="http://schemas.microsoft.com/office/drawing/2014/main" xmlns="" id="{F978D8A1-2E50-4367-8FA3-E0D91154F9BA}"/>
+                <a16:creationId xmlns="" xmlns:a16="http://schemas.microsoft.com/office/drawing/2014/main" id="{59DE3B86-26D5-4E9F-8AF7-C663C72701DB}"/>
+              </a:ext>
+            </a:extLst>
+          </p:cNvPr>
+          <p:cNvSpPr>
+            <a:spLocks noGrp="1"/>
+          </p:cNvSpPr>
+          <p:nvPr>
+            <p:ph type="title"/>
+          </p:nvPr>
+        </p:nvSpPr>
+        <p:spPr/>
+        <p:txBody>
+          <a:bodyPr/>
+          <a:lstStyle/>
+          <a:p>
+            <a:r>
+              <a:rPr lang="it-CH" dirty="0" smtClean="0"/>
+              <a:t>Progettazione - Consuntivo</a:t>
+            </a:r>
+            <a:endParaRPr lang="it-CH" dirty="0"/>
+          </a:p>
+        </p:txBody>
+      </p:sp>
+      <p:pic>
+        <p:nvPicPr>
+          <p:cNvPr id="4" name="Immagine 3"/>
+          <p:cNvPicPr>
+            <a:picLocks noChangeAspect="1"/>
+          </p:cNvPicPr>
+          <p:nvPr/>
+        </p:nvPicPr>
+        <p:blipFill>
+          <a:blip r:embed="rId2">
+            <a:extLst>
+              <a:ext uri="{28A0092B-C50C-407E-A947-70E740481C1C}">
+                <a14:useLocalDpi xmlns:a14="http://schemas.microsoft.com/office/drawing/2010/main" val="0"/>
+              </a:ext>
+            </a:extLst>
+          </a:blip>
+          <a:stretch>
+            <a:fillRect/>
+          </a:stretch>
+        </p:blipFill>
+        <p:spPr>
+          <a:xfrm>
+            <a:off x="0" y="1147225"/>
+            <a:ext cx="9144000" cy="3885414"/>
+          </a:xfrm>
+          <a:prstGeom prst="rect">
+            <a:avLst/>
+          </a:prstGeom>
+        </p:spPr>
+      </p:pic>
+    </p:spTree>
+    <p:extLst>
+      <p:ext uri="{BB962C8B-B14F-4D97-AF65-F5344CB8AC3E}">
+        <p14:creationId xmlns:p14="http://schemas.microsoft.com/office/powerpoint/2010/main" val="473466997"/>
+      </p:ext>
+    </p:extLst>
+  </p:cSld>
+  <p:clrMapOvr>
+    <a:masterClrMapping/>
+  </p:clrMapOvr>
+  <p:timing>
+    <p:tnLst>
+      <p:par>
+        <p:cTn id="1" dur="indefinite" restart="never" nodeType="tmRoot"/>
+      </p:par>
+    </p:tnLst>
+  </p:timing>
+</p:sld>
+</file>
+
+<file path=ppt/slides/slide8.xml><?xml version="1.0" encoding="utf-8"?>
+<p:sld xmlns:a="http://schemas.openxmlformats.org/drawingml/2006/main" xmlns:r="http://schemas.openxmlformats.org/officeDocument/2006/relationships" xmlns:p="http://schemas.openxmlformats.org/presentationml/2006/main">
+  <p:cSld>
+    <p:spTree>
+      <p:nvGrpSpPr>
+        <p:cNvPr id="1" name=""/>
+        <p:cNvGrpSpPr/>
+        <p:nvPr/>
+      </p:nvGrpSpPr>
+      <p:grpSpPr>
+        <a:xfrm>
+          <a:off x="0" y="0"/>
+          <a:ext cx="0" cy="0"/>
+          <a:chOff x="0" y="0"/>
+          <a:chExt cx="0" cy="0"/>
+        </a:xfrm>
+      </p:grpSpPr>
+      <p:sp>
+        <p:nvSpPr>
+          <p:cNvPr id="2" name="Titolo 1">
+            <a:extLst>
+              <a:ext uri="{FF2B5EF4-FFF2-40B4-BE49-F238E27FC236}">
+                <a16:creationId xmlns="" xmlns:a16="http://schemas.microsoft.com/office/drawing/2014/main" id="{F978D8A1-2E50-4367-8FA3-E0D91154F9BA}"/>
               </a:ext>
             </a:extLst>
           </p:cNvPr>
@@ -8040,7 +8271,7 @@
           <p:cNvPr id="4" name="Immagine 3">
             <a:extLst>
               <a:ext uri="{FF2B5EF4-FFF2-40B4-BE49-F238E27FC236}">
-                <a16:creationId xmlns:a16="http://schemas.microsoft.com/office/drawing/2014/main" xmlns="" id="{FBEC5745-4133-412D-AE2A-203CBD9B59C0}"/>
+                <a16:creationId xmlns="" xmlns:a16="http://schemas.microsoft.com/office/drawing/2014/main" id="{FBEC5745-4133-412D-AE2A-203CBD9B59C0}"/>
               </a:ext>
             </a:extLst>
           </p:cNvPr>
@@ -8085,7 +8316,7 @@
 </p:sld>
 </file>
 
-<file path=ppt/slides/slide8.xml><?xml version="1.0" encoding="utf-8"?>
+<file path=ppt/slides/slide9.xml><?xml version="1.0" encoding="utf-8"?>
 <p:sld xmlns:a="http://schemas.openxmlformats.org/drawingml/2006/main" xmlns:r="http://schemas.openxmlformats.org/officeDocument/2006/relationships" xmlns:p="http://schemas.openxmlformats.org/presentationml/2006/main">
   <p:cSld>
     <p:spTree>
@@ -8107,7 +8338,7 @@
           <p:cNvPr id="2" name="Titolo 1">
             <a:extLst>
               <a:ext uri="{FF2B5EF4-FFF2-40B4-BE49-F238E27FC236}">
-                <a16:creationId xmlns:a16="http://schemas.microsoft.com/office/drawing/2014/main" xmlns="" id="{039124A8-829A-47CB-A02F-351D46B62238}"/>
+                <a16:creationId xmlns="" xmlns:a16="http://schemas.microsoft.com/office/drawing/2014/main" id="{039124A8-829A-47CB-A02F-351D46B62238}"/>
               </a:ext>
             </a:extLst>
           </p:cNvPr>
@@ -8134,139 +8365,6 @@
     <p:extLst>
       <p:ext uri="{BB962C8B-B14F-4D97-AF65-F5344CB8AC3E}">
         <p14:creationId xmlns:p14="http://schemas.microsoft.com/office/powerpoint/2010/main" val="1597891575"/>
-      </p:ext>
-    </p:extLst>
-  </p:cSld>
-  <p:clrMapOvr>
-    <a:masterClrMapping/>
-  </p:clrMapOvr>
-  <p:timing>
-    <p:tnLst>
-      <p:par>
-        <p:cTn id="1" dur="indefinite" restart="never" nodeType="tmRoot"/>
-      </p:par>
-    </p:tnLst>
-  </p:timing>
-</p:sld>
-</file>
-
-<file path=ppt/slides/slide9.xml><?xml version="1.0" encoding="utf-8"?>
-<p:sld xmlns:a="http://schemas.openxmlformats.org/drawingml/2006/main" xmlns:r="http://schemas.openxmlformats.org/officeDocument/2006/relationships" xmlns:p="http://schemas.openxmlformats.org/presentationml/2006/main">
-  <p:cSld>
-    <p:spTree>
-      <p:nvGrpSpPr>
-        <p:cNvPr id="1" name=""/>
-        <p:cNvGrpSpPr/>
-        <p:nvPr/>
-      </p:nvGrpSpPr>
-      <p:grpSpPr>
-        <a:xfrm>
-          <a:off x="0" y="0"/>
-          <a:ext cx="0" cy="0"/>
-          <a:chOff x="0" y="0"/>
-          <a:chExt cx="0" cy="0"/>
-        </a:xfrm>
-      </p:grpSpPr>
-      <p:sp>
-        <p:nvSpPr>
-          <p:cNvPr id="2" name="Titolo 1">
-            <a:extLst>
-              <a:ext uri="{FF2B5EF4-FFF2-40B4-BE49-F238E27FC236}">
-                <a16:creationId xmlns:a16="http://schemas.microsoft.com/office/drawing/2014/main" xmlns="" id="{E5311F4B-628B-47BD-98FE-3519C5BDBA36}"/>
-              </a:ext>
-            </a:extLst>
-          </p:cNvPr>
-          <p:cNvSpPr>
-            <a:spLocks noGrp="1"/>
-          </p:cNvSpPr>
-          <p:nvPr>
-            <p:ph type="title"/>
-          </p:nvPr>
-        </p:nvSpPr>
-        <p:spPr/>
-        <p:txBody>
-          <a:bodyPr/>
-          <a:lstStyle/>
-          <a:p>
-            <a:r>
-              <a:rPr lang="it-CH" dirty="0"/>
-              <a:t>Implementazione libreria</a:t>
-            </a:r>
-          </a:p>
-        </p:txBody>
-      </p:sp>
-      <p:sp>
-        <p:nvSpPr>
-          <p:cNvPr id="3" name="Sottotitolo 2">
-            <a:extLst>
-              <a:ext uri="{FF2B5EF4-FFF2-40B4-BE49-F238E27FC236}">
-                <a16:creationId xmlns:a16="http://schemas.microsoft.com/office/drawing/2014/main" xmlns="" id="{8BC5BB99-0D9A-4D4A-9E8E-2DE3B1B8488F}"/>
-              </a:ext>
-            </a:extLst>
-          </p:cNvPr>
-          <p:cNvSpPr>
-            <a:spLocks noGrp="1"/>
-          </p:cNvSpPr>
-          <p:nvPr>
-            <p:ph type="subTitle" idx="1"/>
-          </p:nvPr>
-        </p:nvSpPr>
-        <p:spPr/>
-        <p:txBody>
-          <a:bodyPr/>
-          <a:lstStyle/>
-          <a:p>
-            <a:r>
-              <a:rPr lang="it-CH" dirty="0"/>
-              <a:t>Come l’abbiamo pensata</a:t>
-            </a:r>
-          </a:p>
-        </p:txBody>
-      </p:sp>
-      <p:sp>
-        <p:nvSpPr>
-          <p:cNvPr id="4" name="Segnaposto testo 3">
-            <a:extLst>
-              <a:ext uri="{FF2B5EF4-FFF2-40B4-BE49-F238E27FC236}">
-                <a16:creationId xmlns:a16="http://schemas.microsoft.com/office/drawing/2014/main" xmlns="" id="{3579A793-E688-4F29-95A3-5EFA8E7FCA98}"/>
-              </a:ext>
-            </a:extLst>
-          </p:cNvPr>
-          <p:cNvSpPr>
-            <a:spLocks noGrp="1"/>
-          </p:cNvSpPr>
-          <p:nvPr>
-            <p:ph type="body" idx="2"/>
-          </p:nvPr>
-        </p:nvSpPr>
-        <p:spPr/>
-        <p:txBody>
-          <a:bodyPr/>
-          <a:lstStyle/>
-          <a:p>
-            <a:r>
-              <a:rPr lang="it-CH" dirty="0"/>
-              <a:t>Struttura semplice</a:t>
-            </a:r>
-          </a:p>
-          <a:p>
-            <a:r>
-              <a:rPr lang="it-CH" dirty="0"/>
-              <a:t>Facile da utilizzare</a:t>
-            </a:r>
-          </a:p>
-          <a:p>
-            <a:r>
-              <a:rPr lang="it-CH" dirty="0"/>
-              <a:t>Intuitiva</a:t>
-            </a:r>
-          </a:p>
-        </p:txBody>
-      </p:sp>
-    </p:spTree>
-    <p:extLst>
-      <p:ext uri="{BB962C8B-B14F-4D97-AF65-F5344CB8AC3E}">
-        <p14:creationId xmlns:p14="http://schemas.microsoft.com/office/powerpoint/2010/main" val="945673003"/>
       </p:ext>
     </p:extLst>
   </p:cSld>

--- a/doc/forni&beffa_presentazione_prog2.pptx
+++ b/doc/forni&beffa_presentazione_prog2.pptx
@@ -5,7 +5,7 @@
     <p:sldMasterId id="2147483659" r:id="rId1"/>
   </p:sldMasterIdLst>
   <p:notesMasterIdLst>
-    <p:notesMasterId r:id="rId21"/>
+    <p:notesMasterId r:id="rId20"/>
   </p:notesMasterIdLst>
   <p:sldIdLst>
     <p:sldId id="256" r:id="rId2"/>
@@ -14,36 +14,35 @@
     <p:sldId id="276" r:id="rId5"/>
     <p:sldId id="259" r:id="rId6"/>
     <p:sldId id="263" r:id="rId7"/>
-    <p:sldId id="278" r:id="rId8"/>
-    <p:sldId id="264" r:id="rId9"/>
-    <p:sldId id="265" r:id="rId10"/>
-    <p:sldId id="267" r:id="rId11"/>
-    <p:sldId id="268" r:id="rId12"/>
-    <p:sldId id="269" r:id="rId13"/>
-    <p:sldId id="270" r:id="rId14"/>
-    <p:sldId id="271" r:id="rId15"/>
-    <p:sldId id="272" r:id="rId16"/>
-    <p:sldId id="273" r:id="rId17"/>
-    <p:sldId id="274" r:id="rId18"/>
-    <p:sldId id="275" r:id="rId19"/>
-    <p:sldId id="277" r:id="rId20"/>
+    <p:sldId id="264" r:id="rId8"/>
+    <p:sldId id="265" r:id="rId9"/>
+    <p:sldId id="267" r:id="rId10"/>
+    <p:sldId id="268" r:id="rId11"/>
+    <p:sldId id="269" r:id="rId12"/>
+    <p:sldId id="270" r:id="rId13"/>
+    <p:sldId id="271" r:id="rId14"/>
+    <p:sldId id="272" r:id="rId15"/>
+    <p:sldId id="273" r:id="rId16"/>
+    <p:sldId id="278" r:id="rId17"/>
+    <p:sldId id="275" r:id="rId18"/>
+    <p:sldId id="277" r:id="rId19"/>
   </p:sldIdLst>
   <p:sldSz cx="9144000" cy="5143500" type="screen16x9"/>
   <p:notesSz cx="6858000" cy="9144000"/>
   <p:embeddedFontLst>
     <p:embeddedFont>
-      <p:font typeface="Economica" panose="020B0604020202020204" charset="0"/>
-      <p:regular r:id="rId22"/>
-      <p:bold r:id="rId23"/>
-      <p:italic r:id="rId24"/>
-      <p:boldItalic r:id="rId25"/>
+      <p:font typeface="Open Sans" panose="020B0604020202020204" charset="0"/>
+      <p:regular r:id="rId21"/>
+      <p:bold r:id="rId22"/>
+      <p:italic r:id="rId23"/>
+      <p:boldItalic r:id="rId24"/>
     </p:embeddedFont>
     <p:embeddedFont>
-      <p:font typeface="Open Sans" panose="020B0604020202020204" charset="0"/>
-      <p:regular r:id="rId26"/>
-      <p:bold r:id="rId27"/>
-      <p:italic r:id="rId28"/>
-      <p:boldItalic r:id="rId29"/>
+      <p:font typeface="Economica" panose="020B0604020202020204" charset="0"/>
+      <p:regular r:id="rId25"/>
+      <p:bold r:id="rId26"/>
+      <p:italic r:id="rId27"/>
+      <p:boldItalic r:id="rId28"/>
     </p:embeddedFont>
   </p:embeddedFontLst>
   <p:defaultTextStyle>
@@ -836,6 +835,89 @@
 </p:notes>
 </file>
 
+<file path=ppt/notesSlides/notesSlide10.xml><?xml version="1.0" encoding="utf-8"?>
+<p:notes xmlns:a="http://schemas.openxmlformats.org/drawingml/2006/main" xmlns:r="http://schemas.openxmlformats.org/officeDocument/2006/relationships" xmlns:p="http://schemas.openxmlformats.org/presentationml/2006/main">
+  <p:cSld>
+    <p:spTree>
+      <p:nvGrpSpPr>
+        <p:cNvPr id="1" name=""/>
+        <p:cNvGrpSpPr/>
+        <p:nvPr/>
+      </p:nvGrpSpPr>
+      <p:grpSpPr>
+        <a:xfrm>
+          <a:off x="0" y="0"/>
+          <a:ext cx="0" cy="0"/>
+          <a:chOff x="0" y="0"/>
+          <a:chExt cx="0" cy="0"/>
+        </a:xfrm>
+      </p:grpSpPr>
+      <p:sp>
+        <p:nvSpPr>
+          <p:cNvPr id="2" name="Segnaposto immagine diapositiva 1"/>
+          <p:cNvSpPr>
+            <a:spLocks noGrp="1" noRot="1" noChangeAspect="1"/>
+          </p:cNvSpPr>
+          <p:nvPr>
+            <p:ph type="sldImg"/>
+          </p:nvPr>
+        </p:nvSpPr>
+        <p:spPr>
+          <a:xfrm>
+            <a:off x="381000" y="685800"/>
+            <a:ext cx="6096000" cy="3429000"/>
+          </a:xfrm>
+        </p:spPr>
+      </p:sp>
+      <p:sp>
+        <p:nvSpPr>
+          <p:cNvPr id="3" name="Segnaposto note 2"/>
+          <p:cNvSpPr>
+            <a:spLocks noGrp="1"/>
+          </p:cNvSpPr>
+          <p:nvPr>
+            <p:ph type="body" idx="1"/>
+          </p:nvPr>
+        </p:nvSpPr>
+        <p:spPr/>
+        <p:txBody>
+          <a:bodyPr/>
+          <a:lstStyle/>
+          <a:p>
+            <a:r>
+              <a:rPr lang="it-CH" dirty="0"/>
+              <a:t>Line follower, </a:t>
+            </a:r>
+            <a:r>
+              <a:rPr lang="it-CH" dirty="0" err="1"/>
+              <a:t>Wall</a:t>
+            </a:r>
+            <a:r>
+              <a:rPr lang="it-CH" dirty="0"/>
+              <a:t> follower</a:t>
+            </a:r>
+          </a:p>
+          <a:p>
+            <a:r>
+              <a:rPr lang="it-CH" dirty="0"/>
+              <a:t>Wait di distanza e colore, …</a:t>
+            </a:r>
+          </a:p>
+        </p:txBody>
+      </p:sp>
+    </p:spTree>
+    <p:extLst>
+      <p:ext uri="{BB962C8B-B14F-4D97-AF65-F5344CB8AC3E}">
+        <p14:creationId xmlns:p14="http://schemas.microsoft.com/office/powerpoint/2010/main" val="3592058685"/>
+      </p:ext>
+    </p:extLst>
+  </p:cSld>
+  <p:clrMapOvr>
+    <a:masterClrMapping/>
+  </p:clrMapOvr>
+</p:notes>
+</file>
+
 <file path=ppt/notesSlides/notesSlide2.xml><?xml version="1.0" encoding="utf-8"?>
 <p:notes xmlns:a="http://schemas.openxmlformats.org/drawingml/2006/main" xmlns:r="http://schemas.openxmlformats.org/officeDocument/2006/relationships" xmlns:p="http://schemas.openxmlformats.org/presentationml/2006/main" showMasterSp="0" showMasterPhAnim="0">
   <p:cSld>
@@ -919,16 +1001,41 @@
           </a:bodyPr>
           <a:lstStyle/>
           <a:p>
-            <a:pPr marL="0" lvl="0" indent="0" algn="l" rtl="0">
-              <a:spcBef>
-                <a:spcPts val="0"/>
-              </a:spcBef>
-              <a:spcAft>
-                <a:spcPts val="0"/>
-              </a:spcAft>
-              <a:buNone/>
+            <a:pPr marL="171450" lvl="0" indent="-171450" algn="l" rtl="0">
+              <a:spcBef>
+                <a:spcPts val="0"/>
+              </a:spcBef>
+              <a:spcAft>
+                <a:spcPts val="0"/>
+              </a:spcAft>
             </a:pPr>
-            <a:endParaRPr/>
+            <a:r>
+              <a:rPr lang="it-IT" dirty="0" smtClean="0"/>
+              <a:t>Codice visivo: Prima della creazione</a:t>
+            </a:r>
+            <a:r>
+              <a:rPr lang="it-IT" baseline="0" dirty="0" smtClean="0"/>
+              <a:t> di questo progetto, gli utenti utilizzavano il codice visivo, un semplice codice che consisteva nel creare programmi tramite l’utilizzo di blocchetti.</a:t>
+            </a:r>
+          </a:p>
+          <a:p>
+            <a:pPr marL="171450" lvl="0" indent="-171450" algn="l" rtl="0">
+              <a:spcBef>
+                <a:spcPts val="0"/>
+              </a:spcBef>
+              <a:spcAft>
+                <a:spcPts val="0"/>
+              </a:spcAft>
+            </a:pPr>
+            <a:r>
+              <a:rPr lang="it-IT" dirty="0" smtClean="0"/>
+              <a:t>Questo</a:t>
+            </a:r>
+            <a:r>
+              <a:rPr lang="it-IT" baseline="0" dirty="0" smtClean="0"/>
+              <a:t> codice è semplice e intuitivo però presenta alcuni punti deboli, il più significativo è la creazione di algoritmi complessi. Inoltre non erano presenti librerie in NXT da implementare per rendere la programmazione più semplice, ma era il programmatore che doveva scrivere il codice manualmente.</a:t>
+            </a:r>
+            <a:endParaRPr dirty="0"/>
           </a:p>
         </p:txBody>
       </p:sp>
@@ -946,6 +1053,241 @@
 </file>
 
 <file path=ppt/notesSlides/notesSlide3.xml><?xml version="1.0" encoding="utf-8"?>
+<p:notes xmlns:a="http://schemas.openxmlformats.org/drawingml/2006/main" xmlns:r="http://schemas.openxmlformats.org/officeDocument/2006/relationships" xmlns:p="http://schemas.openxmlformats.org/presentationml/2006/main">
+  <p:cSld>
+    <p:spTree>
+      <p:nvGrpSpPr>
+        <p:cNvPr id="1" name=""/>
+        <p:cNvGrpSpPr/>
+        <p:nvPr/>
+      </p:nvGrpSpPr>
+      <p:grpSpPr>
+        <a:xfrm>
+          <a:off x="0" y="0"/>
+          <a:ext cx="0" cy="0"/>
+          <a:chOff x="0" y="0"/>
+          <a:chExt cx="0" cy="0"/>
+        </a:xfrm>
+      </p:grpSpPr>
+      <p:sp>
+        <p:nvSpPr>
+          <p:cNvPr id="2" name="Segnaposto immagine diapositiva 1"/>
+          <p:cNvSpPr>
+            <a:spLocks noGrp="1" noRot="1" noChangeAspect="1"/>
+          </p:cNvSpPr>
+          <p:nvPr>
+            <p:ph type="sldImg"/>
+          </p:nvPr>
+        </p:nvSpPr>
+        <p:spPr/>
+      </p:sp>
+      <p:sp>
+        <p:nvSpPr>
+          <p:cNvPr id="3" name="Segnaposto note 2"/>
+          <p:cNvSpPr>
+            <a:spLocks noGrp="1"/>
+          </p:cNvSpPr>
+          <p:nvPr>
+            <p:ph type="body" idx="1"/>
+          </p:nvPr>
+        </p:nvSpPr>
+        <p:spPr/>
+        <p:txBody>
+          <a:bodyPr/>
+          <a:lstStyle/>
+          <a:p>
+            <a:r>
+              <a:rPr lang="it-IT" dirty="0" smtClean="0"/>
+              <a:t>Facilitare</a:t>
+            </a:r>
+            <a:r>
+              <a:rPr lang="it-IT" baseline="0" dirty="0" smtClean="0"/>
+              <a:t> la scrittura del codice: la nostra libreria serve a facilitare la vita ai programmatori, che invece di scrivere manualmente il codice possono usare i metodi presenti nella libreria che abbiamo progettato.</a:t>
+            </a:r>
+          </a:p>
+          <a:p>
+            <a:r>
+              <a:rPr lang="it-IT" baseline="0" dirty="0" smtClean="0"/>
+              <a:t>Oltre a ciò serve anche a ridurre la lunghezza del codice, in modo da facilitare la lettura</a:t>
+            </a:r>
+          </a:p>
+          <a:p>
+            <a:r>
+              <a:rPr lang="it-IT" baseline="0" dirty="0" smtClean="0"/>
+              <a:t>Il nostro obbiettivo è anche quello di cercare di far ottenere buoni risultati alla WRO tramite l’utilizzo delle nostre librerie.</a:t>
+            </a:r>
+            <a:endParaRPr lang="it-IT" dirty="0"/>
+          </a:p>
+        </p:txBody>
+      </p:sp>
+    </p:spTree>
+    <p:extLst>
+      <p:ext uri="{BB962C8B-B14F-4D97-AF65-F5344CB8AC3E}">
+        <p14:creationId xmlns:p14="http://schemas.microsoft.com/office/powerpoint/2010/main" val="3315536864"/>
+      </p:ext>
+    </p:extLst>
+  </p:cSld>
+  <p:clrMapOvr>
+    <a:masterClrMapping/>
+  </p:clrMapOvr>
+</p:notes>
+</file>
+
+<file path=ppt/notesSlides/notesSlide4.xml><?xml version="1.0" encoding="utf-8"?>
+<p:notes xmlns:a="http://schemas.openxmlformats.org/drawingml/2006/main" xmlns:r="http://schemas.openxmlformats.org/officeDocument/2006/relationships" xmlns:p="http://schemas.openxmlformats.org/presentationml/2006/main">
+  <p:cSld>
+    <p:spTree>
+      <p:nvGrpSpPr>
+        <p:cNvPr id="1" name=""/>
+        <p:cNvGrpSpPr/>
+        <p:nvPr/>
+      </p:nvGrpSpPr>
+      <p:grpSpPr>
+        <a:xfrm>
+          <a:off x="0" y="0"/>
+          <a:ext cx="0" cy="0"/>
+          <a:chOff x="0" y="0"/>
+          <a:chExt cx="0" cy="0"/>
+        </a:xfrm>
+      </p:grpSpPr>
+      <p:sp>
+        <p:nvSpPr>
+          <p:cNvPr id="2" name="Segnaposto immagine diapositiva 1"/>
+          <p:cNvSpPr>
+            <a:spLocks noGrp="1" noRot="1" noChangeAspect="1"/>
+          </p:cNvSpPr>
+          <p:nvPr>
+            <p:ph type="sldImg"/>
+          </p:nvPr>
+        </p:nvSpPr>
+        <p:spPr/>
+      </p:sp>
+      <p:sp>
+        <p:nvSpPr>
+          <p:cNvPr id="3" name="Segnaposto note 2"/>
+          <p:cNvSpPr>
+            <a:spLocks noGrp="1"/>
+          </p:cNvSpPr>
+          <p:nvPr>
+            <p:ph type="body" idx="1"/>
+          </p:nvPr>
+        </p:nvSpPr>
+        <p:spPr/>
+        <p:txBody>
+          <a:bodyPr/>
+          <a:lstStyle/>
+          <a:p>
+            <a:r>
+              <a:rPr lang="it-IT" dirty="0" smtClean="0"/>
+              <a:t>Blocchetto</a:t>
+            </a:r>
+            <a:r>
+              <a:rPr lang="it-IT" baseline="0" dirty="0" smtClean="0"/>
+              <a:t> </a:t>
+            </a:r>
+            <a:r>
+              <a:rPr lang="it-IT" baseline="0" dirty="0" err="1" smtClean="0"/>
+              <a:t>wait</a:t>
+            </a:r>
+            <a:r>
+              <a:rPr lang="it-IT" baseline="0" dirty="0" smtClean="0"/>
+              <a:t>: ci è stato richiesto di creare una libreria in RobotC che riprendesse le funzioni che il blocchetto di attesa di NXT possiede </a:t>
+            </a:r>
+            <a:endParaRPr lang="it-IT" dirty="0"/>
+          </a:p>
+        </p:txBody>
+      </p:sp>
+    </p:spTree>
+    <p:extLst>
+      <p:ext uri="{BB962C8B-B14F-4D97-AF65-F5344CB8AC3E}">
+        <p14:creationId xmlns:p14="http://schemas.microsoft.com/office/powerpoint/2010/main" val="2040701308"/>
+      </p:ext>
+    </p:extLst>
+  </p:cSld>
+  <p:clrMapOvr>
+    <a:masterClrMapping/>
+  </p:clrMapOvr>
+</p:notes>
+</file>
+
+<file path=ppt/notesSlides/notesSlide5.xml><?xml version="1.0" encoding="utf-8"?>
+<p:notes xmlns:a="http://schemas.openxmlformats.org/drawingml/2006/main" xmlns:r="http://schemas.openxmlformats.org/officeDocument/2006/relationships" xmlns:p="http://schemas.openxmlformats.org/presentationml/2006/main">
+  <p:cSld>
+    <p:spTree>
+      <p:nvGrpSpPr>
+        <p:cNvPr id="1" name=""/>
+        <p:cNvGrpSpPr/>
+        <p:nvPr/>
+      </p:nvGrpSpPr>
+      <p:grpSpPr>
+        <a:xfrm>
+          <a:off x="0" y="0"/>
+          <a:ext cx="0" cy="0"/>
+          <a:chOff x="0" y="0"/>
+          <a:chExt cx="0" cy="0"/>
+        </a:xfrm>
+      </p:grpSpPr>
+      <p:sp>
+        <p:nvSpPr>
+          <p:cNvPr id="2" name="Segnaposto immagine diapositiva 1"/>
+          <p:cNvSpPr>
+            <a:spLocks noGrp="1" noRot="1" noChangeAspect="1"/>
+          </p:cNvSpPr>
+          <p:nvPr>
+            <p:ph type="sldImg"/>
+          </p:nvPr>
+        </p:nvSpPr>
+        <p:spPr/>
+      </p:sp>
+      <p:sp>
+        <p:nvSpPr>
+          <p:cNvPr id="3" name="Segnaposto note 2"/>
+          <p:cNvSpPr>
+            <a:spLocks noGrp="1"/>
+          </p:cNvSpPr>
+          <p:nvPr>
+            <p:ph type="body" idx="1"/>
+          </p:nvPr>
+        </p:nvSpPr>
+        <p:spPr/>
+        <p:txBody>
+          <a:bodyPr/>
+          <a:lstStyle/>
+          <a:p>
+            <a:r>
+              <a:rPr lang="it-IT" dirty="0" smtClean="0"/>
+              <a:t>Gantt preventivo: inizialmente</a:t>
+            </a:r>
+            <a:r>
+              <a:rPr lang="it-IT" baseline="0" dirty="0" smtClean="0"/>
+              <a:t> abbiamo pianificato questo diagramma di Gantt in base ai requisiti che ci erano stati richiesti, durante il corso del progetto però questi requisiti sono stati modificati; inizialmente era stato richiesto di realizzare due librerie, una in Java e l’altra in RobotC, durante le lezioni successive però ci è stato richiesto di modificare le specifiche e realizzare una libreria scritta in RobotC e realizzare successivamente, utilizzando i metodi della nostra libreria, un line </a:t>
+            </a:r>
+            <a:r>
+              <a:rPr lang="it-IT" baseline="0" dirty="0" err="1" smtClean="0"/>
+              <a:t>follower</a:t>
+            </a:r>
+            <a:r>
+              <a:rPr lang="it-IT" baseline="0" dirty="0" smtClean="0"/>
+              <a:t> proporzionale. Come si può vedere dal diagramma erano state pianificate per la realizzazione della libreria sia in Java che in RobotC</a:t>
+            </a:r>
+            <a:endParaRPr lang="it-IT" dirty="0"/>
+          </a:p>
+        </p:txBody>
+      </p:sp>
+    </p:spTree>
+    <p:extLst>
+      <p:ext uri="{BB962C8B-B14F-4D97-AF65-F5344CB8AC3E}">
+        <p14:creationId xmlns:p14="http://schemas.microsoft.com/office/powerpoint/2010/main" val="2163695114"/>
+      </p:ext>
+    </p:extLst>
+  </p:cSld>
+  <p:clrMapOvr>
+    <a:masterClrMapping/>
+  </p:clrMapOvr>
+</p:notes>
+</file>
+
+<file path=ppt/notesSlides/notesSlide6.xml><?xml version="1.0" encoding="utf-8"?>
 <p:notes xmlns:a="http://schemas.openxmlformats.org/drawingml/2006/main" xmlns:r="http://schemas.openxmlformats.org/officeDocument/2006/relationships" xmlns:p="http://schemas.openxmlformats.org/presentationml/2006/main">
   <p:cSld>
     <p:spTree>
@@ -1027,7 +1369,7 @@
 </p:notes>
 </file>
 
-<file path=ppt/notesSlides/notesSlide4.xml><?xml version="1.0" encoding="utf-8"?>
+<file path=ppt/notesSlides/notesSlide7.xml><?xml version="1.0" encoding="utf-8"?>
 <p:notes xmlns:a="http://schemas.openxmlformats.org/drawingml/2006/main" xmlns:r="http://schemas.openxmlformats.org/officeDocument/2006/relationships" xmlns:p="http://schemas.openxmlformats.org/presentationml/2006/main">
   <p:cSld>
     <p:spTree>
@@ -1106,7 +1448,68 @@
 </p:notes>
 </file>
 
-<file path=ppt/notesSlides/notesSlide5.xml><?xml version="1.0" encoding="utf-8"?>
+<file path=ppt/notesSlides/notesSlide8.xml><?xml version="1.0" encoding="utf-8"?>
+<p:notes xmlns:a="http://schemas.openxmlformats.org/drawingml/2006/main" xmlns:r="http://schemas.openxmlformats.org/officeDocument/2006/relationships" xmlns:p="http://schemas.openxmlformats.org/presentationml/2006/main">
+  <p:cSld>
+    <p:spTree>
+      <p:nvGrpSpPr>
+        <p:cNvPr id="1" name=""/>
+        <p:cNvGrpSpPr/>
+        <p:nvPr/>
+      </p:nvGrpSpPr>
+      <p:grpSpPr>
+        <a:xfrm>
+          <a:off x="0" y="0"/>
+          <a:ext cx="0" cy="0"/>
+          <a:chOff x="0" y="0"/>
+          <a:chExt cx="0" cy="0"/>
+        </a:xfrm>
+      </p:grpSpPr>
+      <p:sp>
+        <p:nvSpPr>
+          <p:cNvPr id="2" name="Segnaposto immagine diapositiva 1"/>
+          <p:cNvSpPr>
+            <a:spLocks noGrp="1" noRot="1" noChangeAspect="1"/>
+          </p:cNvSpPr>
+          <p:nvPr>
+            <p:ph type="sldImg"/>
+          </p:nvPr>
+        </p:nvSpPr>
+        <p:spPr/>
+      </p:sp>
+      <p:sp>
+        <p:nvSpPr>
+          <p:cNvPr id="3" name="Segnaposto note 2"/>
+          <p:cNvSpPr>
+            <a:spLocks noGrp="1"/>
+          </p:cNvSpPr>
+          <p:nvPr>
+            <p:ph type="body" idx="1"/>
+          </p:nvPr>
+        </p:nvSpPr>
+        <p:spPr/>
+        <p:txBody>
+          <a:bodyPr/>
+          <a:lstStyle/>
+          <a:p>
+            <a:endParaRPr lang="it-IT" dirty="0"/>
+          </a:p>
+        </p:txBody>
+      </p:sp>
+    </p:spTree>
+    <p:extLst>
+      <p:ext uri="{BB962C8B-B14F-4D97-AF65-F5344CB8AC3E}">
+        <p14:creationId xmlns:p14="http://schemas.microsoft.com/office/powerpoint/2010/main" val="2050793644"/>
+      </p:ext>
+    </p:extLst>
+  </p:cSld>
+  <p:clrMapOvr>
+    <a:masterClrMapping/>
+  </p:clrMapOvr>
+</p:notes>
+</file>
+
+<file path=ppt/notesSlides/notesSlide9.xml><?xml version="1.0" encoding="utf-8"?>
 <p:notes xmlns:a="http://schemas.openxmlformats.org/drawingml/2006/main" xmlns:r="http://schemas.openxmlformats.org/officeDocument/2006/relationships" xmlns:p="http://schemas.openxmlformats.org/presentationml/2006/main">
   <p:cSld>
     <p:spTree>
@@ -1156,30 +1559,21 @@
           <a:lstStyle/>
           <a:p>
             <a:r>
-              <a:rPr lang="it-CH" dirty="0"/>
-              <a:t>Line follower, </a:t>
+              <a:rPr lang="it-IT" dirty="0" smtClean="0"/>
+              <a:t>Il</a:t>
             </a:r>
             <a:r>
-              <a:rPr lang="it-CH" dirty="0" err="1"/>
-              <a:t>Wall</a:t>
+              <a:rPr lang="it-IT" baseline="0" dirty="0" smtClean="0"/>
+              <a:t> diagramma consuntivo risulta molto diverso da quello preventivo per i motivi che abbiamo spiegato e possiamo notare che le attività sono cambiate. Innanzitutto abbiamo aggiunto un’attività per ogni metodo appartenente</a:t>
             </a:r>
-            <a:r>
-              <a:rPr lang="it-CH" dirty="0"/>
-              <a:t> follower</a:t>
-            </a:r>
-          </a:p>
-          <a:p>
-            <a:r>
-              <a:rPr lang="it-CH" dirty="0"/>
-              <a:t>Wait di distanza e colore, …</a:t>
-            </a:r>
+            <a:endParaRPr lang="it-IT" dirty="0"/>
           </a:p>
         </p:txBody>
       </p:sp>
     </p:spTree>
     <p:extLst>
       <p:ext uri="{BB962C8B-B14F-4D97-AF65-F5344CB8AC3E}">
-        <p14:creationId xmlns:p14="http://schemas.microsoft.com/office/powerpoint/2010/main" val="3592058685"/>
+        <p14:creationId xmlns:p14="http://schemas.microsoft.com/office/powerpoint/2010/main" val="2909326383"/>
       </p:ext>
     </p:extLst>
   </p:cSld>
@@ -6709,145 +7103,12 @@
           <a:chExt cx="0" cy="0"/>
         </a:xfrm>
       </p:grpSpPr>
-      <p:sp>
-        <p:nvSpPr>
-          <p:cNvPr id="2" name="Titolo 1">
-            <a:extLst>
-              <a:ext uri="{FF2B5EF4-FFF2-40B4-BE49-F238E27FC236}">
-                <a16:creationId xmlns="" xmlns:a16="http://schemas.microsoft.com/office/drawing/2014/main" id="{E5311F4B-628B-47BD-98FE-3519C5BDBA36}"/>
-              </a:ext>
-            </a:extLst>
-          </p:cNvPr>
-          <p:cNvSpPr>
-            <a:spLocks noGrp="1"/>
-          </p:cNvSpPr>
-          <p:nvPr>
-            <p:ph type="title"/>
-          </p:nvPr>
-        </p:nvSpPr>
-        <p:spPr/>
-        <p:txBody>
-          <a:bodyPr/>
-          <a:lstStyle/>
-          <a:p>
-            <a:r>
-              <a:rPr lang="it-CH" dirty="0"/>
-              <a:t>Implementazione libreria</a:t>
-            </a:r>
-          </a:p>
-        </p:txBody>
-      </p:sp>
-      <p:sp>
-        <p:nvSpPr>
-          <p:cNvPr id="3" name="Sottotitolo 2">
-            <a:extLst>
-              <a:ext uri="{FF2B5EF4-FFF2-40B4-BE49-F238E27FC236}">
-                <a16:creationId xmlns="" xmlns:a16="http://schemas.microsoft.com/office/drawing/2014/main" id="{8BC5BB99-0D9A-4D4A-9E8E-2DE3B1B8488F}"/>
-              </a:ext>
-            </a:extLst>
-          </p:cNvPr>
-          <p:cNvSpPr>
-            <a:spLocks noGrp="1"/>
-          </p:cNvSpPr>
-          <p:nvPr>
-            <p:ph type="subTitle" idx="1"/>
-          </p:nvPr>
-        </p:nvSpPr>
-        <p:spPr/>
-        <p:txBody>
-          <a:bodyPr/>
-          <a:lstStyle/>
-          <a:p>
-            <a:r>
-              <a:rPr lang="it-CH" dirty="0"/>
-              <a:t>Come l’abbiamo pensata</a:t>
-            </a:r>
-          </a:p>
-        </p:txBody>
-      </p:sp>
-      <p:sp>
-        <p:nvSpPr>
-          <p:cNvPr id="4" name="Segnaposto testo 3">
-            <a:extLst>
-              <a:ext uri="{FF2B5EF4-FFF2-40B4-BE49-F238E27FC236}">
-                <a16:creationId xmlns="" xmlns:a16="http://schemas.microsoft.com/office/drawing/2014/main" id="{3579A793-E688-4F29-95A3-5EFA8E7FCA98}"/>
-              </a:ext>
-            </a:extLst>
-          </p:cNvPr>
-          <p:cNvSpPr>
-            <a:spLocks noGrp="1"/>
-          </p:cNvSpPr>
-          <p:nvPr>
-            <p:ph type="body" idx="2"/>
-          </p:nvPr>
-        </p:nvSpPr>
-        <p:spPr/>
-        <p:txBody>
-          <a:bodyPr/>
-          <a:lstStyle/>
-          <a:p>
-            <a:r>
-              <a:rPr lang="it-CH" dirty="0"/>
-              <a:t>Struttura semplice</a:t>
-            </a:r>
-          </a:p>
-          <a:p>
-            <a:r>
-              <a:rPr lang="it-CH" dirty="0"/>
-              <a:t>Facile da utilizzare</a:t>
-            </a:r>
-          </a:p>
-          <a:p>
-            <a:r>
-              <a:rPr lang="it-CH" dirty="0"/>
-              <a:t>Intuitiva</a:t>
-            </a:r>
-          </a:p>
-        </p:txBody>
-      </p:sp>
-    </p:spTree>
-    <p:extLst>
-      <p:ext uri="{BB962C8B-B14F-4D97-AF65-F5344CB8AC3E}">
-        <p14:creationId xmlns:p14="http://schemas.microsoft.com/office/powerpoint/2010/main" val="945673003"/>
-      </p:ext>
-    </p:extLst>
-  </p:cSld>
-  <p:clrMapOvr>
-    <a:masterClrMapping/>
-  </p:clrMapOvr>
-  <p:timing>
-    <p:tnLst>
-      <p:par>
-        <p:cTn id="1" dur="indefinite" restart="never" nodeType="tmRoot"/>
-      </p:par>
-    </p:tnLst>
-  </p:timing>
-</p:sld>
-</file>
-
-<file path=ppt/slides/slide11.xml><?xml version="1.0" encoding="utf-8"?>
-<p:sld xmlns:a="http://schemas.openxmlformats.org/drawingml/2006/main" xmlns:r="http://schemas.openxmlformats.org/officeDocument/2006/relationships" xmlns:p="http://schemas.openxmlformats.org/presentationml/2006/main">
-  <p:cSld>
-    <p:spTree>
-      <p:nvGrpSpPr>
-        <p:cNvPr id="1" name=""/>
-        <p:cNvGrpSpPr/>
-        <p:nvPr/>
-      </p:nvGrpSpPr>
-      <p:grpSpPr>
-        <a:xfrm>
-          <a:off x="0" y="0"/>
-          <a:ext cx="0" cy="0"/>
-          <a:chOff x="0" y="0"/>
-          <a:chExt cx="0" cy="0"/>
-        </a:xfrm>
-      </p:grpSpPr>
       <p:pic>
         <p:nvPicPr>
           <p:cNvPr id="4" name="Immagine 3">
             <a:extLst>
               <a:ext uri="{FF2B5EF4-FFF2-40B4-BE49-F238E27FC236}">
-                <a16:creationId xmlns="" xmlns:a16="http://schemas.microsoft.com/office/drawing/2014/main" id="{E197EE54-B933-47F7-A0CA-B4E4E2E0135F}"/>
+                <a16:creationId xmlns:a16="http://schemas.microsoft.com/office/drawing/2014/main" xmlns="" id="{E197EE54-B933-47F7-A0CA-B4E4E2E0135F}"/>
               </a:ext>
             </a:extLst>
           </p:cNvPr>
@@ -6877,7 +7138,7 @@
           <p:cNvPr id="6" name="Immagine 5">
             <a:extLst>
               <a:ext uri="{FF2B5EF4-FFF2-40B4-BE49-F238E27FC236}">
-                <a16:creationId xmlns="" xmlns:a16="http://schemas.microsoft.com/office/drawing/2014/main" id="{B87084D6-D1EB-4A86-BA72-FBFBC5344A33}"/>
+                <a16:creationId xmlns:a16="http://schemas.microsoft.com/office/drawing/2014/main" xmlns="" id="{B87084D6-D1EB-4A86-BA72-FBFBC5344A33}"/>
               </a:ext>
             </a:extLst>
           </p:cNvPr>
@@ -6922,7 +7183,7 @@
 </p:sld>
 </file>
 
-<file path=ppt/slides/slide12.xml><?xml version="1.0" encoding="utf-8"?>
+<file path=ppt/slides/slide11.xml><?xml version="1.0" encoding="utf-8"?>
 <p:sld xmlns:a="http://schemas.openxmlformats.org/drawingml/2006/main" xmlns:r="http://schemas.openxmlformats.org/officeDocument/2006/relationships" xmlns:p="http://schemas.openxmlformats.org/presentationml/2006/main">
   <p:cSld>
     <p:spTree>
@@ -6944,7 +7205,7 @@
           <p:cNvPr id="2" name="Titolo 1">
             <a:extLst>
               <a:ext uri="{FF2B5EF4-FFF2-40B4-BE49-F238E27FC236}">
-                <a16:creationId xmlns="" xmlns:a16="http://schemas.microsoft.com/office/drawing/2014/main" id="{2D73A99C-A85D-4ECE-BA32-E564CFE39ADA}"/>
+                <a16:creationId xmlns:a16="http://schemas.microsoft.com/office/drawing/2014/main" xmlns="" id="{2D73A99C-A85D-4ECE-BA32-E564CFE39ADA}"/>
               </a:ext>
             </a:extLst>
           </p:cNvPr>
@@ -6977,7 +7238,7 @@
           <p:cNvPr id="4" name="Segnaposto testo 3">
             <a:extLst>
               <a:ext uri="{FF2B5EF4-FFF2-40B4-BE49-F238E27FC236}">
-                <a16:creationId xmlns="" xmlns:a16="http://schemas.microsoft.com/office/drawing/2014/main" id="{99BEBF26-1F3D-4185-9411-26265214C66D}"/>
+                <a16:creationId xmlns:a16="http://schemas.microsoft.com/office/drawing/2014/main" xmlns="" id="{99BEBF26-1F3D-4185-9411-26265214C66D}"/>
               </a:ext>
             </a:extLst>
           </p:cNvPr>
@@ -7031,7 +7292,7 @@
 </p:sld>
 </file>
 
-<file path=ppt/slides/slide13.xml><?xml version="1.0" encoding="utf-8"?>
+<file path=ppt/slides/slide12.xml><?xml version="1.0" encoding="utf-8"?>
 <p:sld xmlns:a="http://schemas.openxmlformats.org/drawingml/2006/main" xmlns:r="http://schemas.openxmlformats.org/officeDocument/2006/relationships" xmlns:p="http://schemas.openxmlformats.org/presentationml/2006/main">
   <p:cSld>
     <p:spTree>
@@ -7053,7 +7314,7 @@
           <p:cNvPr id="2" name="Titolo 1">
             <a:extLst>
               <a:ext uri="{FF2B5EF4-FFF2-40B4-BE49-F238E27FC236}">
-                <a16:creationId xmlns="" xmlns:a16="http://schemas.microsoft.com/office/drawing/2014/main" id="{F72E7F66-5241-4DA1-925D-C0855149E8E4}"/>
+                <a16:creationId xmlns:a16="http://schemas.microsoft.com/office/drawing/2014/main" xmlns="" id="{F72E7F66-5241-4DA1-925D-C0855149E8E4}"/>
               </a:ext>
             </a:extLst>
           </p:cNvPr>
@@ -7096,7 +7357,7 @@
 </p:sld>
 </file>
 
-<file path=ppt/slides/slide14.xml><?xml version="1.0" encoding="utf-8"?>
+<file path=ppt/slides/slide13.xml><?xml version="1.0" encoding="utf-8"?>
 <p:sld xmlns:a="http://schemas.openxmlformats.org/drawingml/2006/main" xmlns:r="http://schemas.openxmlformats.org/officeDocument/2006/relationships" xmlns:p="http://schemas.openxmlformats.org/presentationml/2006/main">
   <p:cSld>
     <p:spTree>
@@ -7118,7 +7379,7 @@
           <p:cNvPr id="2" name="Titolo 1">
             <a:extLst>
               <a:ext uri="{FF2B5EF4-FFF2-40B4-BE49-F238E27FC236}">
-                <a16:creationId xmlns="" xmlns:a16="http://schemas.microsoft.com/office/drawing/2014/main" id="{05AD02E5-74E0-4D04-BA44-18AC0675963A}"/>
+                <a16:creationId xmlns:a16="http://schemas.microsoft.com/office/drawing/2014/main" xmlns="" id="{05AD02E5-74E0-4D04-BA44-18AC0675963A}"/>
               </a:ext>
             </a:extLst>
           </p:cNvPr>
@@ -7151,7 +7412,7 @@
           <p:cNvPr id="4" name="Segnaposto testo 3">
             <a:extLst>
               <a:ext uri="{FF2B5EF4-FFF2-40B4-BE49-F238E27FC236}">
-                <a16:creationId xmlns="" xmlns:a16="http://schemas.microsoft.com/office/drawing/2014/main" id="{445596A1-3758-4E0F-AE41-76F5C0F67C74}"/>
+                <a16:creationId xmlns:a16="http://schemas.microsoft.com/office/drawing/2014/main" xmlns="" id="{445596A1-3758-4E0F-AE41-76F5C0F67C74}"/>
               </a:ext>
             </a:extLst>
           </p:cNvPr>
@@ -7206,7 +7467,7 @@
 </p:sld>
 </file>
 
-<file path=ppt/slides/slide15.xml><?xml version="1.0" encoding="utf-8"?>
+<file path=ppt/slides/slide14.xml><?xml version="1.0" encoding="utf-8"?>
 <p:sld xmlns:a="http://schemas.openxmlformats.org/drawingml/2006/main" xmlns:r="http://schemas.openxmlformats.org/officeDocument/2006/relationships" xmlns:p="http://schemas.openxmlformats.org/presentationml/2006/main">
   <p:cSld>
     <p:spTree>
@@ -7228,7 +7489,7 @@
           <p:cNvPr id="4" name="Immagine 3">
             <a:extLst>
               <a:ext uri="{FF2B5EF4-FFF2-40B4-BE49-F238E27FC236}">
-                <a16:creationId xmlns="" xmlns:a16="http://schemas.microsoft.com/office/drawing/2014/main" id="{0D93E09F-9523-4430-ACFC-024E623AAD0B}"/>
+                <a16:creationId xmlns:a16="http://schemas.microsoft.com/office/drawing/2014/main" xmlns="" id="{0D93E09F-9523-4430-ACFC-024E623AAD0B}"/>
               </a:ext>
             </a:extLst>
           </p:cNvPr>
@@ -7273,7 +7534,7 @@
 </p:sld>
 </file>
 
-<file path=ppt/slides/slide16.xml><?xml version="1.0" encoding="utf-8"?>
+<file path=ppt/slides/slide15.xml><?xml version="1.0" encoding="utf-8"?>
 <p:sld xmlns:a="http://schemas.openxmlformats.org/drawingml/2006/main" xmlns:r="http://schemas.openxmlformats.org/officeDocument/2006/relationships" xmlns:p="http://schemas.openxmlformats.org/presentationml/2006/main">
   <p:cSld>
     <p:spTree>
@@ -7295,7 +7556,7 @@
           <p:cNvPr id="2" name="Titolo 1">
             <a:extLst>
               <a:ext uri="{FF2B5EF4-FFF2-40B4-BE49-F238E27FC236}">
-                <a16:creationId xmlns="" xmlns:a16="http://schemas.microsoft.com/office/drawing/2014/main" id="{1FACC930-0765-4217-8E88-3B5BEEF07BC4}"/>
+                <a16:creationId xmlns:a16="http://schemas.microsoft.com/office/drawing/2014/main" xmlns="" id="{1FACC930-0765-4217-8E88-3B5BEEF07BC4}"/>
               </a:ext>
             </a:extLst>
           </p:cNvPr>
@@ -7338,6 +7599,102 @@
 </p:sld>
 </file>
 
+<file path=ppt/slides/slide16.xml><?xml version="1.0" encoding="utf-8"?>
+<p:sld xmlns:a="http://schemas.openxmlformats.org/drawingml/2006/main" xmlns:r="http://schemas.openxmlformats.org/officeDocument/2006/relationships" xmlns:p="http://schemas.openxmlformats.org/presentationml/2006/main">
+  <p:cSld>
+    <p:spTree>
+      <p:nvGrpSpPr>
+        <p:cNvPr id="1" name=""/>
+        <p:cNvGrpSpPr/>
+        <p:nvPr/>
+      </p:nvGrpSpPr>
+      <p:grpSpPr>
+        <a:xfrm>
+          <a:off x="0" y="0"/>
+          <a:ext cx="0" cy="0"/>
+          <a:chOff x="0" y="0"/>
+          <a:chExt cx="0" cy="0"/>
+        </a:xfrm>
+      </p:grpSpPr>
+      <p:sp>
+        <p:nvSpPr>
+          <p:cNvPr id="2" name="Titolo 1">
+            <a:extLst>
+              <a:ext uri="{FF2B5EF4-FFF2-40B4-BE49-F238E27FC236}">
+                <a16:creationId xmlns:a16="http://schemas.microsoft.com/office/drawing/2014/main" xmlns="" id="{59DE3B86-26D5-4E9F-8AF7-C663C72701DB}"/>
+              </a:ext>
+            </a:extLst>
+          </p:cNvPr>
+          <p:cNvSpPr>
+            <a:spLocks noGrp="1"/>
+          </p:cNvSpPr>
+          <p:nvPr>
+            <p:ph type="title"/>
+          </p:nvPr>
+        </p:nvSpPr>
+        <p:spPr/>
+        <p:txBody>
+          <a:bodyPr/>
+          <a:lstStyle/>
+          <a:p>
+            <a:r>
+              <a:rPr lang="it-CH" dirty="0" smtClean="0"/>
+              <a:t>Progettazione - Consuntivo</a:t>
+            </a:r>
+            <a:endParaRPr lang="it-CH" dirty="0"/>
+          </a:p>
+        </p:txBody>
+      </p:sp>
+      <p:pic>
+        <p:nvPicPr>
+          <p:cNvPr id="4" name="Immagine 3"/>
+          <p:cNvPicPr>
+            <a:picLocks noChangeAspect="1"/>
+          </p:cNvPicPr>
+          <p:nvPr/>
+        </p:nvPicPr>
+        <p:blipFill>
+          <a:blip r:embed="rId3">
+            <a:extLst>
+              <a:ext uri="{28A0092B-C50C-407E-A947-70E740481C1C}">
+                <a14:useLocalDpi xmlns:a14="http://schemas.microsoft.com/office/drawing/2010/main" val="0"/>
+              </a:ext>
+            </a:extLst>
+          </a:blip>
+          <a:stretch>
+            <a:fillRect/>
+          </a:stretch>
+        </p:blipFill>
+        <p:spPr>
+          <a:xfrm>
+            <a:off x="0" y="1065945"/>
+            <a:ext cx="9144000" cy="3885414"/>
+          </a:xfrm>
+          <a:prstGeom prst="rect">
+            <a:avLst/>
+          </a:prstGeom>
+        </p:spPr>
+      </p:pic>
+    </p:spTree>
+    <p:extLst>
+      <p:ext uri="{BB962C8B-B14F-4D97-AF65-F5344CB8AC3E}">
+        <p14:creationId xmlns:p14="http://schemas.microsoft.com/office/powerpoint/2010/main" val="473466997"/>
+      </p:ext>
+    </p:extLst>
+  </p:cSld>
+  <p:clrMapOvr>
+    <a:masterClrMapping/>
+  </p:clrMapOvr>
+  <p:timing>
+    <p:tnLst>
+      <p:par>
+        <p:cTn id="1" dur="indefinite" restart="never" nodeType="tmRoot"/>
+      </p:par>
+    </p:tnLst>
+  </p:timing>
+</p:sld>
+</file>
+
 <file path=ppt/slides/slide17.xml><?xml version="1.0" encoding="utf-8"?>
 <p:sld xmlns:a="http://schemas.openxmlformats.org/drawingml/2006/main" xmlns:r="http://schemas.openxmlformats.org/officeDocument/2006/relationships" xmlns:p="http://schemas.openxmlformats.org/presentationml/2006/main">
   <p:cSld>
@@ -7360,76 +7717,7 @@
           <p:cNvPr id="2" name="Titolo 1">
             <a:extLst>
               <a:ext uri="{FF2B5EF4-FFF2-40B4-BE49-F238E27FC236}">
-                <a16:creationId xmlns="" xmlns:a16="http://schemas.microsoft.com/office/drawing/2014/main" id="{36F7BAA8-7569-485A-8B26-57465DB4CF40}"/>
-              </a:ext>
-            </a:extLst>
-          </p:cNvPr>
-          <p:cNvSpPr>
-            <a:spLocks noGrp="1"/>
-          </p:cNvSpPr>
-          <p:nvPr>
-            <p:ph type="title"/>
-          </p:nvPr>
-        </p:nvSpPr>
-        <p:spPr/>
-        <p:txBody>
-          <a:bodyPr/>
-          <a:lstStyle/>
-          <a:p>
-            <a:r>
-              <a:rPr lang="it-CH" dirty="0" err="1"/>
-              <a:t>Gantt</a:t>
-            </a:r>
-            <a:r>
-              <a:rPr lang="it-CH" dirty="0"/>
-              <a:t> conclusivo</a:t>
-            </a:r>
-          </a:p>
-        </p:txBody>
-      </p:sp>
-    </p:spTree>
-    <p:extLst>
-      <p:ext uri="{BB962C8B-B14F-4D97-AF65-F5344CB8AC3E}">
-        <p14:creationId xmlns:p14="http://schemas.microsoft.com/office/powerpoint/2010/main" val="3592039502"/>
-      </p:ext>
-    </p:extLst>
-  </p:cSld>
-  <p:clrMapOvr>
-    <a:masterClrMapping/>
-  </p:clrMapOvr>
-  <p:timing>
-    <p:tnLst>
-      <p:par>
-        <p:cTn id="1" dur="indefinite" restart="never" nodeType="tmRoot"/>
-      </p:par>
-    </p:tnLst>
-  </p:timing>
-</p:sld>
-</file>
-
-<file path=ppt/slides/slide18.xml><?xml version="1.0" encoding="utf-8"?>
-<p:sld xmlns:a="http://schemas.openxmlformats.org/drawingml/2006/main" xmlns:r="http://schemas.openxmlformats.org/officeDocument/2006/relationships" xmlns:p="http://schemas.openxmlformats.org/presentationml/2006/main">
-  <p:cSld>
-    <p:spTree>
-      <p:nvGrpSpPr>
-        <p:cNvPr id="1" name=""/>
-        <p:cNvGrpSpPr/>
-        <p:nvPr/>
-      </p:nvGrpSpPr>
-      <p:grpSpPr>
-        <a:xfrm>
-          <a:off x="0" y="0"/>
-          <a:ext cx="0" cy="0"/>
-          <a:chOff x="0" y="0"/>
-          <a:chExt cx="0" cy="0"/>
-        </a:xfrm>
-      </p:grpSpPr>
-      <p:sp>
-        <p:nvSpPr>
-          <p:cNvPr id="2" name="Titolo 1">
-            <a:extLst>
-              <a:ext uri="{FF2B5EF4-FFF2-40B4-BE49-F238E27FC236}">
-                <a16:creationId xmlns="" xmlns:a16="http://schemas.microsoft.com/office/drawing/2014/main" id="{69AFAA87-35FB-4882-A814-3371435872ED}"/>
+                <a16:creationId xmlns:a16="http://schemas.microsoft.com/office/drawing/2014/main" xmlns="" id="{69AFAA87-35FB-4882-A814-3371435872ED}"/>
               </a:ext>
             </a:extLst>
           </p:cNvPr>
@@ -7462,7 +7750,7 @@
           <p:cNvPr id="4" name="Segnaposto testo 3">
             <a:extLst>
               <a:ext uri="{FF2B5EF4-FFF2-40B4-BE49-F238E27FC236}">
-                <a16:creationId xmlns="" xmlns:a16="http://schemas.microsoft.com/office/drawing/2014/main" id="{4FD26C42-D248-47D8-BED9-32265BD61215}"/>
+                <a16:creationId xmlns:a16="http://schemas.microsoft.com/office/drawing/2014/main" xmlns="" id="{4FD26C42-D248-47D8-BED9-32265BD61215}"/>
               </a:ext>
             </a:extLst>
           </p:cNvPr>
@@ -7511,7 +7799,7 @@
 </p:sld>
 </file>
 
-<file path=ppt/slides/slide19.xml><?xml version="1.0" encoding="utf-8"?>
+<file path=ppt/slides/slide18.xml><?xml version="1.0" encoding="utf-8"?>
 <p:sld xmlns:a="http://schemas.openxmlformats.org/drawingml/2006/main" xmlns:r="http://schemas.openxmlformats.org/officeDocument/2006/relationships" xmlns:p="http://schemas.openxmlformats.org/presentationml/2006/main">
   <p:cSld>
     <p:spTree>
@@ -7533,7 +7821,7 @@
           <p:cNvPr id="2" name="Titolo 1">
             <a:extLst>
               <a:ext uri="{FF2B5EF4-FFF2-40B4-BE49-F238E27FC236}">
-                <a16:creationId xmlns="" xmlns:a16="http://schemas.microsoft.com/office/drawing/2014/main" id="{0CFEF209-8018-4494-8431-520D69938A92}"/>
+                <a16:creationId xmlns:a16="http://schemas.microsoft.com/office/drawing/2014/main" xmlns="" id="{0CFEF209-8018-4494-8431-520D69938A92}"/>
               </a:ext>
             </a:extLst>
           </p:cNvPr>
@@ -7566,7 +7854,7 @@
           <p:cNvPr id="4" name="Segnaposto testo 3">
             <a:extLst>
               <a:ext uri="{FF2B5EF4-FFF2-40B4-BE49-F238E27FC236}">
-                <a16:creationId xmlns="" xmlns:a16="http://schemas.microsoft.com/office/drawing/2014/main" id="{87D7CBF7-AF35-4ECC-8170-6402FB34618A}"/>
+                <a16:creationId xmlns:a16="http://schemas.microsoft.com/office/drawing/2014/main" xmlns="" id="{87D7CBF7-AF35-4ECC-8170-6402FB34618A}"/>
               </a:ext>
             </a:extLst>
           </p:cNvPr>
@@ -7637,7 +7925,7 @@
           <p:cNvPr id="2" name="Titolo 1">
             <a:extLst>
               <a:ext uri="{FF2B5EF4-FFF2-40B4-BE49-F238E27FC236}">
-                <a16:creationId xmlns="" xmlns:a16="http://schemas.microsoft.com/office/drawing/2014/main" id="{94C27513-8D10-4101-8056-BAD0A9B8987C}"/>
+                <a16:creationId xmlns:a16="http://schemas.microsoft.com/office/drawing/2014/main" xmlns="" id="{94C27513-8D10-4101-8056-BAD0A9B8987C}"/>
               </a:ext>
             </a:extLst>
           </p:cNvPr>
@@ -7836,7 +8124,7 @@
           <p:cNvPr id="2" name="Titolo 1">
             <a:extLst>
               <a:ext uri="{FF2B5EF4-FFF2-40B4-BE49-F238E27FC236}">
-                <a16:creationId xmlns="" xmlns:a16="http://schemas.microsoft.com/office/drawing/2014/main" id="{1450D818-A588-4B5E-B532-6874D95CAA5D}"/>
+                <a16:creationId xmlns:a16="http://schemas.microsoft.com/office/drawing/2014/main" xmlns="" id="{1450D818-A588-4B5E-B532-6874D95CAA5D}"/>
               </a:ext>
             </a:extLst>
           </p:cNvPr>
@@ -7869,7 +8157,7 @@
           <p:cNvPr id="4" name="Segnaposto testo 3">
             <a:extLst>
               <a:ext uri="{FF2B5EF4-FFF2-40B4-BE49-F238E27FC236}">
-                <a16:creationId xmlns="" xmlns:a16="http://schemas.microsoft.com/office/drawing/2014/main" id="{2AEF2C72-D528-447A-A974-445EDBB318E1}"/>
+                <a16:creationId xmlns:a16="http://schemas.microsoft.com/office/drawing/2014/main" xmlns="" id="{2AEF2C72-D528-447A-A974-445EDBB318E1}"/>
               </a:ext>
             </a:extLst>
           </p:cNvPr>
@@ -7946,7 +8234,7 @@
           <p:cNvPr id="2" name="Titolo 1">
             <a:extLst>
               <a:ext uri="{FF2B5EF4-FFF2-40B4-BE49-F238E27FC236}">
-                <a16:creationId xmlns="" xmlns:a16="http://schemas.microsoft.com/office/drawing/2014/main" id="{E163D91F-0DC1-4D2C-AD82-5B765903CA4C}"/>
+                <a16:creationId xmlns:a16="http://schemas.microsoft.com/office/drawing/2014/main" xmlns="" id="{E163D91F-0DC1-4D2C-AD82-5B765903CA4C}"/>
               </a:ext>
             </a:extLst>
           </p:cNvPr>
@@ -7974,7 +8262,7 @@
           <p:cNvPr id="4" name="Segnaposto testo 3">
             <a:extLst>
               <a:ext uri="{FF2B5EF4-FFF2-40B4-BE49-F238E27FC236}">
-                <a16:creationId xmlns="" xmlns:a16="http://schemas.microsoft.com/office/drawing/2014/main" id="{D8ED4839-9800-471F-9D62-2CA53430B046}"/>
+                <a16:creationId xmlns:a16="http://schemas.microsoft.com/office/drawing/2014/main" xmlns="" id="{D8ED4839-9800-471F-9D62-2CA53430B046}"/>
               </a:ext>
             </a:extLst>
           </p:cNvPr>
@@ -8051,7 +8339,7 @@
           <p:cNvPr id="2" name="Titolo 1">
             <a:extLst>
               <a:ext uri="{FF2B5EF4-FFF2-40B4-BE49-F238E27FC236}">
-                <a16:creationId xmlns="" xmlns:a16="http://schemas.microsoft.com/office/drawing/2014/main" id="{59DE3B86-26D5-4E9F-8AF7-C663C72701DB}"/>
+                <a16:creationId xmlns:a16="http://schemas.microsoft.com/office/drawing/2014/main" xmlns="" id="{59DE3B86-26D5-4E9F-8AF7-C663C72701DB}"/>
               </a:ext>
             </a:extLst>
           </p:cNvPr>
@@ -8080,7 +8368,7 @@
           <p:cNvPr id="3" name="Immagine 2">
             <a:extLst>
               <a:ext uri="{FF2B5EF4-FFF2-40B4-BE49-F238E27FC236}">
-                <a16:creationId xmlns="" xmlns:a16="http://schemas.microsoft.com/office/drawing/2014/main" id="{1EB9AD68-84CD-41C8-8BBA-82CE58DA57E6}"/>
+                <a16:creationId xmlns:a16="http://schemas.microsoft.com/office/drawing/2014/main" xmlns="" id="{1EB9AD68-84CD-41C8-8BBA-82CE58DA57E6}"/>
               </a:ext>
             </a:extLst>
           </p:cNvPr>
@@ -8090,7 +8378,7 @@
           <p:nvPr/>
         </p:nvPicPr>
         <p:blipFill>
-          <a:blip r:embed="rId2"/>
+          <a:blip r:embed="rId3"/>
           <a:stretch>
             <a:fillRect/>
           </a:stretch>
@@ -8147,103 +8435,7 @@
           <p:cNvPr id="2" name="Titolo 1">
             <a:extLst>
               <a:ext uri="{FF2B5EF4-FFF2-40B4-BE49-F238E27FC236}">
-                <a16:creationId xmlns="" xmlns:a16="http://schemas.microsoft.com/office/drawing/2014/main" id="{59DE3B86-26D5-4E9F-8AF7-C663C72701DB}"/>
-              </a:ext>
-            </a:extLst>
-          </p:cNvPr>
-          <p:cNvSpPr>
-            <a:spLocks noGrp="1"/>
-          </p:cNvSpPr>
-          <p:nvPr>
-            <p:ph type="title"/>
-          </p:nvPr>
-        </p:nvSpPr>
-        <p:spPr/>
-        <p:txBody>
-          <a:bodyPr/>
-          <a:lstStyle/>
-          <a:p>
-            <a:r>
-              <a:rPr lang="it-CH" dirty="0" smtClean="0"/>
-              <a:t>Progettazione - Consuntivo</a:t>
-            </a:r>
-            <a:endParaRPr lang="it-CH" dirty="0"/>
-          </a:p>
-        </p:txBody>
-      </p:sp>
-      <p:pic>
-        <p:nvPicPr>
-          <p:cNvPr id="4" name="Immagine 3"/>
-          <p:cNvPicPr>
-            <a:picLocks noChangeAspect="1"/>
-          </p:cNvPicPr>
-          <p:nvPr/>
-        </p:nvPicPr>
-        <p:blipFill>
-          <a:blip r:embed="rId2">
-            <a:extLst>
-              <a:ext uri="{28A0092B-C50C-407E-A947-70E740481C1C}">
-                <a14:useLocalDpi xmlns:a14="http://schemas.microsoft.com/office/drawing/2010/main" val="0"/>
-              </a:ext>
-            </a:extLst>
-          </a:blip>
-          <a:stretch>
-            <a:fillRect/>
-          </a:stretch>
-        </p:blipFill>
-        <p:spPr>
-          <a:xfrm>
-            <a:off x="0" y="1147225"/>
-            <a:ext cx="9144000" cy="3885414"/>
-          </a:xfrm>
-          <a:prstGeom prst="rect">
-            <a:avLst/>
-          </a:prstGeom>
-        </p:spPr>
-      </p:pic>
-    </p:spTree>
-    <p:extLst>
-      <p:ext uri="{BB962C8B-B14F-4D97-AF65-F5344CB8AC3E}">
-        <p14:creationId xmlns:p14="http://schemas.microsoft.com/office/powerpoint/2010/main" val="473466997"/>
-      </p:ext>
-    </p:extLst>
-  </p:cSld>
-  <p:clrMapOvr>
-    <a:masterClrMapping/>
-  </p:clrMapOvr>
-  <p:timing>
-    <p:tnLst>
-      <p:par>
-        <p:cTn id="1" dur="indefinite" restart="never" nodeType="tmRoot"/>
-      </p:par>
-    </p:tnLst>
-  </p:timing>
-</p:sld>
-</file>
-
-<file path=ppt/slides/slide8.xml><?xml version="1.0" encoding="utf-8"?>
-<p:sld xmlns:a="http://schemas.openxmlformats.org/drawingml/2006/main" xmlns:r="http://schemas.openxmlformats.org/officeDocument/2006/relationships" xmlns:p="http://schemas.openxmlformats.org/presentationml/2006/main">
-  <p:cSld>
-    <p:spTree>
-      <p:nvGrpSpPr>
-        <p:cNvPr id="1" name=""/>
-        <p:cNvGrpSpPr/>
-        <p:nvPr/>
-      </p:nvGrpSpPr>
-      <p:grpSpPr>
-        <a:xfrm>
-          <a:off x="0" y="0"/>
-          <a:ext cx="0" cy="0"/>
-          <a:chOff x="0" y="0"/>
-          <a:chExt cx="0" cy="0"/>
-        </a:xfrm>
-      </p:grpSpPr>
-      <p:sp>
-        <p:nvSpPr>
-          <p:cNvPr id="2" name="Titolo 1">
-            <a:extLst>
-              <a:ext uri="{FF2B5EF4-FFF2-40B4-BE49-F238E27FC236}">
-                <a16:creationId xmlns="" xmlns:a16="http://schemas.microsoft.com/office/drawing/2014/main" id="{F978D8A1-2E50-4367-8FA3-E0D91154F9BA}"/>
+                <a16:creationId xmlns:a16="http://schemas.microsoft.com/office/drawing/2014/main" xmlns="" id="{F978D8A1-2E50-4367-8FA3-E0D91154F9BA}"/>
               </a:ext>
             </a:extLst>
           </p:cNvPr>
@@ -8271,7 +8463,7 @@
           <p:cNvPr id="4" name="Immagine 3">
             <a:extLst>
               <a:ext uri="{FF2B5EF4-FFF2-40B4-BE49-F238E27FC236}">
-                <a16:creationId xmlns="" xmlns:a16="http://schemas.microsoft.com/office/drawing/2014/main" id="{FBEC5745-4133-412D-AE2A-203CBD9B59C0}"/>
+                <a16:creationId xmlns:a16="http://schemas.microsoft.com/office/drawing/2014/main" xmlns="" id="{FBEC5745-4133-412D-AE2A-203CBD9B59C0}"/>
               </a:ext>
             </a:extLst>
           </p:cNvPr>
@@ -8316,7 +8508,7 @@
 </p:sld>
 </file>
 
-<file path=ppt/slides/slide9.xml><?xml version="1.0" encoding="utf-8"?>
+<file path=ppt/slides/slide8.xml><?xml version="1.0" encoding="utf-8"?>
 <p:sld xmlns:a="http://schemas.openxmlformats.org/drawingml/2006/main" xmlns:r="http://schemas.openxmlformats.org/officeDocument/2006/relationships" xmlns:p="http://schemas.openxmlformats.org/presentationml/2006/main">
   <p:cSld>
     <p:spTree>
@@ -8338,7 +8530,7 @@
           <p:cNvPr id="2" name="Titolo 1">
             <a:extLst>
               <a:ext uri="{FF2B5EF4-FFF2-40B4-BE49-F238E27FC236}">
-                <a16:creationId xmlns="" xmlns:a16="http://schemas.microsoft.com/office/drawing/2014/main" id="{039124A8-829A-47CB-A02F-351D46B62238}"/>
+                <a16:creationId xmlns:a16="http://schemas.microsoft.com/office/drawing/2014/main" xmlns="" id="{039124A8-829A-47CB-A02F-351D46B62238}"/>
               </a:ext>
             </a:extLst>
           </p:cNvPr>
@@ -8365,6 +8557,139 @@
     <p:extLst>
       <p:ext uri="{BB962C8B-B14F-4D97-AF65-F5344CB8AC3E}">
         <p14:creationId xmlns:p14="http://schemas.microsoft.com/office/powerpoint/2010/main" val="1597891575"/>
+      </p:ext>
+    </p:extLst>
+  </p:cSld>
+  <p:clrMapOvr>
+    <a:masterClrMapping/>
+  </p:clrMapOvr>
+  <p:timing>
+    <p:tnLst>
+      <p:par>
+        <p:cTn id="1" dur="indefinite" restart="never" nodeType="tmRoot"/>
+      </p:par>
+    </p:tnLst>
+  </p:timing>
+</p:sld>
+</file>
+
+<file path=ppt/slides/slide9.xml><?xml version="1.0" encoding="utf-8"?>
+<p:sld xmlns:a="http://schemas.openxmlformats.org/drawingml/2006/main" xmlns:r="http://schemas.openxmlformats.org/officeDocument/2006/relationships" xmlns:p="http://schemas.openxmlformats.org/presentationml/2006/main">
+  <p:cSld>
+    <p:spTree>
+      <p:nvGrpSpPr>
+        <p:cNvPr id="1" name=""/>
+        <p:cNvGrpSpPr/>
+        <p:nvPr/>
+      </p:nvGrpSpPr>
+      <p:grpSpPr>
+        <a:xfrm>
+          <a:off x="0" y="0"/>
+          <a:ext cx="0" cy="0"/>
+          <a:chOff x="0" y="0"/>
+          <a:chExt cx="0" cy="0"/>
+        </a:xfrm>
+      </p:grpSpPr>
+      <p:sp>
+        <p:nvSpPr>
+          <p:cNvPr id="2" name="Titolo 1">
+            <a:extLst>
+              <a:ext uri="{FF2B5EF4-FFF2-40B4-BE49-F238E27FC236}">
+                <a16:creationId xmlns:a16="http://schemas.microsoft.com/office/drawing/2014/main" xmlns="" id="{E5311F4B-628B-47BD-98FE-3519C5BDBA36}"/>
+              </a:ext>
+            </a:extLst>
+          </p:cNvPr>
+          <p:cNvSpPr>
+            <a:spLocks noGrp="1"/>
+          </p:cNvSpPr>
+          <p:nvPr>
+            <p:ph type="title"/>
+          </p:nvPr>
+        </p:nvSpPr>
+        <p:spPr/>
+        <p:txBody>
+          <a:bodyPr/>
+          <a:lstStyle/>
+          <a:p>
+            <a:r>
+              <a:rPr lang="it-CH" dirty="0"/>
+              <a:t>Implementazione libreria</a:t>
+            </a:r>
+          </a:p>
+        </p:txBody>
+      </p:sp>
+      <p:sp>
+        <p:nvSpPr>
+          <p:cNvPr id="3" name="Sottotitolo 2">
+            <a:extLst>
+              <a:ext uri="{FF2B5EF4-FFF2-40B4-BE49-F238E27FC236}">
+                <a16:creationId xmlns:a16="http://schemas.microsoft.com/office/drawing/2014/main" xmlns="" id="{8BC5BB99-0D9A-4D4A-9E8E-2DE3B1B8488F}"/>
+              </a:ext>
+            </a:extLst>
+          </p:cNvPr>
+          <p:cNvSpPr>
+            <a:spLocks noGrp="1"/>
+          </p:cNvSpPr>
+          <p:nvPr>
+            <p:ph type="subTitle" idx="1"/>
+          </p:nvPr>
+        </p:nvSpPr>
+        <p:spPr/>
+        <p:txBody>
+          <a:bodyPr/>
+          <a:lstStyle/>
+          <a:p>
+            <a:r>
+              <a:rPr lang="it-CH" dirty="0"/>
+              <a:t>Come l’abbiamo pensata</a:t>
+            </a:r>
+          </a:p>
+        </p:txBody>
+      </p:sp>
+      <p:sp>
+        <p:nvSpPr>
+          <p:cNvPr id="4" name="Segnaposto testo 3">
+            <a:extLst>
+              <a:ext uri="{FF2B5EF4-FFF2-40B4-BE49-F238E27FC236}">
+                <a16:creationId xmlns:a16="http://schemas.microsoft.com/office/drawing/2014/main" xmlns="" id="{3579A793-E688-4F29-95A3-5EFA8E7FCA98}"/>
+              </a:ext>
+            </a:extLst>
+          </p:cNvPr>
+          <p:cNvSpPr>
+            <a:spLocks noGrp="1"/>
+          </p:cNvSpPr>
+          <p:nvPr>
+            <p:ph type="body" idx="2"/>
+          </p:nvPr>
+        </p:nvSpPr>
+        <p:spPr/>
+        <p:txBody>
+          <a:bodyPr/>
+          <a:lstStyle/>
+          <a:p>
+            <a:r>
+              <a:rPr lang="it-CH" dirty="0"/>
+              <a:t>Struttura semplice</a:t>
+            </a:r>
+          </a:p>
+          <a:p>
+            <a:r>
+              <a:rPr lang="it-CH" dirty="0"/>
+              <a:t>Facile da utilizzare</a:t>
+            </a:r>
+          </a:p>
+          <a:p>
+            <a:r>
+              <a:rPr lang="it-CH" dirty="0"/>
+              <a:t>Intuitiva</a:t>
+            </a:r>
+          </a:p>
+        </p:txBody>
+      </p:sp>
+    </p:spTree>
+    <p:extLst>
+      <p:ext uri="{BB962C8B-B14F-4D97-AF65-F5344CB8AC3E}">
+        <p14:creationId xmlns:p14="http://schemas.microsoft.com/office/powerpoint/2010/main" val="945673003"/>
       </p:ext>
     </p:extLst>
   </p:cSld>

--- a/doc/forni&beffa_presentazione_prog2.pptx
+++ b/doc/forni&beffa_presentazione_prog2.pptx
@@ -31,14 +31,14 @@
   <p:notesSz cx="6858000" cy="9144000"/>
   <p:embeddedFontLst>
     <p:embeddedFont>
-      <p:font typeface="Open Sans" panose="020B0604020202020204" charset="0"/>
+      <p:font typeface="Economica" panose="020B0604020202020204" charset="0"/>
       <p:regular r:id="rId21"/>
       <p:bold r:id="rId22"/>
       <p:italic r:id="rId23"/>
       <p:boldItalic r:id="rId24"/>
     </p:embeddedFont>
     <p:embeddedFont>
-      <p:font typeface="Economica" panose="020B0604020202020204" charset="0"/>
+      <p:font typeface="Open Sans" panose="020B0604020202020204" charset="0"/>
       <p:regular r:id="rId25"/>
       <p:bold r:id="rId26"/>
       <p:italic r:id="rId27"/>
@@ -1010,11 +1010,11 @@
               </a:spcAft>
             </a:pPr>
             <a:r>
-              <a:rPr lang="it-IT" dirty="0" smtClean="0"/>
+              <a:rPr lang="it-IT" dirty="0"/>
               <a:t>Codice visivo: Prima della creazione</a:t>
             </a:r>
             <a:r>
-              <a:rPr lang="it-IT" baseline="0" dirty="0" smtClean="0"/>
+              <a:rPr lang="it-IT" baseline="0" dirty="0"/>
               <a:t> di questo progetto, gli utenti utilizzavano il codice visivo, un semplice codice che consisteva nel creare programmi tramite l’utilizzo di blocchetti.</a:t>
             </a:r>
           </a:p>
@@ -1028,11 +1028,11 @@
               </a:spcAft>
             </a:pPr>
             <a:r>
-              <a:rPr lang="it-IT" dirty="0" smtClean="0"/>
+              <a:rPr lang="it-IT" dirty="0"/>
               <a:t>Questo</a:t>
             </a:r>
             <a:r>
-              <a:rPr lang="it-IT" baseline="0" dirty="0" smtClean="0"/>
+              <a:rPr lang="it-IT" baseline="0" dirty="0"/>
               <a:t> codice è semplice e intuitivo però presenta alcuni punti deboli, il più significativo è la creazione di algoritmi complessi. Inoltre non erano presenti librerie in NXT da implementare per rendere la programmazione più semplice, ma era il programmatore che doveva scrivere il codice manualmente.</a:t>
             </a:r>
             <a:endParaRPr dirty="0"/>
@@ -1097,23 +1097,23 @@
           <a:lstStyle/>
           <a:p>
             <a:r>
-              <a:rPr lang="it-IT" dirty="0" smtClean="0"/>
+              <a:rPr lang="it-IT" dirty="0"/>
               <a:t>Facilitare</a:t>
             </a:r>
             <a:r>
-              <a:rPr lang="it-IT" baseline="0" dirty="0" smtClean="0"/>
+              <a:rPr lang="it-IT" baseline="0" dirty="0"/>
               <a:t> la scrittura del codice: la nostra libreria serve a facilitare la vita ai programmatori, che invece di scrivere manualmente il codice possono usare i metodi presenti nella libreria che abbiamo progettato.</a:t>
             </a:r>
           </a:p>
           <a:p>
             <a:r>
-              <a:rPr lang="it-IT" baseline="0" dirty="0" smtClean="0"/>
+              <a:rPr lang="it-IT" baseline="0" dirty="0"/>
               <a:t>Oltre a ciò serve anche a ridurre la lunghezza del codice, in modo da facilitare la lettura</a:t>
             </a:r>
           </a:p>
           <a:p>
             <a:r>
-              <a:rPr lang="it-IT" baseline="0" dirty="0" smtClean="0"/>
+              <a:rPr lang="it-IT" baseline="0" dirty="0"/>
               <a:t>Il nostro obbiettivo è anche quello di cercare di far ottenere buoni risultati alla WRO tramite l’utilizzo delle nostre librerie.</a:t>
             </a:r>
             <a:endParaRPr lang="it-IT" dirty="0"/>
@@ -1160,7 +1160,12 @@
             <p:ph type="sldImg"/>
           </p:nvPr>
         </p:nvSpPr>
-        <p:spPr/>
+        <p:spPr>
+          <a:xfrm>
+            <a:off x="381000" y="685800"/>
+            <a:ext cx="6096000" cy="3429000"/>
+          </a:xfrm>
+        </p:spPr>
       </p:sp>
       <p:sp>
         <p:nvSpPr>
@@ -1178,19 +1183,19 @@
           <a:lstStyle/>
           <a:p>
             <a:r>
-              <a:rPr lang="it-IT" dirty="0" smtClean="0"/>
+              <a:rPr lang="it-IT" dirty="0"/>
               <a:t>Blocchetto</a:t>
             </a:r>
             <a:r>
-              <a:rPr lang="it-IT" baseline="0" dirty="0" smtClean="0"/>
+              <a:rPr lang="it-IT" baseline="0" dirty="0"/>
               <a:t> </a:t>
             </a:r>
             <a:r>
-              <a:rPr lang="it-IT" baseline="0" dirty="0" err="1" smtClean="0"/>
+              <a:rPr lang="it-IT" baseline="0" dirty="0" err="1"/>
               <a:t>wait</a:t>
             </a:r>
             <a:r>
-              <a:rPr lang="it-IT" baseline="0" dirty="0" smtClean="0"/>
+              <a:rPr lang="it-IT" baseline="0" dirty="0"/>
               <a:t>: ci è stato richiesto di creare una libreria in RobotC che riprendesse le funzioni che il blocchetto di attesa di NXT possiede </a:t>
             </a:r>
             <a:endParaRPr lang="it-IT" dirty="0"/>
@@ -1255,19 +1260,19 @@
           <a:lstStyle/>
           <a:p>
             <a:r>
-              <a:rPr lang="it-IT" dirty="0" smtClean="0"/>
+              <a:rPr lang="it-IT" dirty="0"/>
               <a:t>Gantt preventivo: inizialmente</a:t>
             </a:r>
             <a:r>
-              <a:rPr lang="it-IT" baseline="0" dirty="0" smtClean="0"/>
+              <a:rPr lang="it-IT" baseline="0" dirty="0"/>
               <a:t> abbiamo pianificato questo diagramma di Gantt in base ai requisiti che ci erano stati richiesti, durante il corso del progetto però questi requisiti sono stati modificati; inizialmente era stato richiesto di realizzare due librerie, una in Java e l’altra in RobotC, durante le lezioni successive però ci è stato richiesto di modificare le specifiche e realizzare una libreria scritta in RobotC e realizzare successivamente, utilizzando i metodi della nostra libreria, un line </a:t>
             </a:r>
             <a:r>
-              <a:rPr lang="it-IT" baseline="0" dirty="0" err="1" smtClean="0"/>
+              <a:rPr lang="it-IT" baseline="0" dirty="0" err="1"/>
               <a:t>follower</a:t>
             </a:r>
             <a:r>
-              <a:rPr lang="it-IT" baseline="0" dirty="0" smtClean="0"/>
+              <a:rPr lang="it-IT" baseline="0" dirty="0"/>
               <a:t> proporzionale. Come si può vedere dal diagramma erano state pianificate per la realizzazione della libreria sia in Java che in RobotC</a:t>
             </a:r>
             <a:endParaRPr lang="it-IT" dirty="0"/>
@@ -1559,11 +1564,11 @@
           <a:lstStyle/>
           <a:p>
             <a:r>
-              <a:rPr lang="it-IT" dirty="0" smtClean="0"/>
+              <a:rPr lang="it-IT" dirty="0"/>
               <a:t>Il</a:t>
             </a:r>
             <a:r>
-              <a:rPr lang="it-IT" baseline="0" dirty="0" smtClean="0"/>
+              <a:rPr lang="it-IT" baseline="0" dirty="0"/>
               <a:t> diagramma consuntivo risulta molto diverso da quello preventivo per i motivi che abbiamo spiegato e possiamo notare che le attività sono cambiate. Innanzitutto abbiamo aggiunto un’attività per ogni metodo appartenente</a:t>
             </a:r>
             <a:endParaRPr lang="it-IT" dirty="0"/>
@@ -7076,13 +7081,6 @@
   <p:clrMapOvr>
     <a:masterClrMapping/>
   </p:clrMapOvr>
-  <p:timing>
-    <p:tnLst>
-      <p:par>
-        <p:cTn id="1" dur="indefinite" restart="never" nodeType="tmRoot"/>
-      </p:par>
-    </p:tnLst>
-  </p:timing>
 </p:sld>
 </file>
 
@@ -7108,7 +7106,7 @@
           <p:cNvPr id="4" name="Immagine 3">
             <a:extLst>
               <a:ext uri="{FF2B5EF4-FFF2-40B4-BE49-F238E27FC236}">
-                <a16:creationId xmlns:a16="http://schemas.microsoft.com/office/drawing/2014/main" xmlns="" id="{E197EE54-B933-47F7-A0CA-B4E4E2E0135F}"/>
+                <a16:creationId xmlns:a16="http://schemas.microsoft.com/office/drawing/2014/main" id="{E197EE54-B933-47F7-A0CA-B4E4E2E0135F}"/>
               </a:ext>
             </a:extLst>
           </p:cNvPr>
@@ -7138,7 +7136,7 @@
           <p:cNvPr id="6" name="Immagine 5">
             <a:extLst>
               <a:ext uri="{FF2B5EF4-FFF2-40B4-BE49-F238E27FC236}">
-                <a16:creationId xmlns:a16="http://schemas.microsoft.com/office/drawing/2014/main" xmlns="" id="{B87084D6-D1EB-4A86-BA72-FBFBC5344A33}"/>
+                <a16:creationId xmlns:a16="http://schemas.microsoft.com/office/drawing/2014/main" id="{B87084D6-D1EB-4A86-BA72-FBFBC5344A33}"/>
               </a:ext>
             </a:extLst>
           </p:cNvPr>
@@ -7173,13 +7171,6 @@
   <p:clrMapOvr>
     <a:masterClrMapping/>
   </p:clrMapOvr>
-  <p:timing>
-    <p:tnLst>
-      <p:par>
-        <p:cTn id="1" dur="indefinite" restart="never" nodeType="tmRoot"/>
-      </p:par>
-    </p:tnLst>
-  </p:timing>
 </p:sld>
 </file>
 
@@ -7205,7 +7196,7 @@
           <p:cNvPr id="2" name="Titolo 1">
             <a:extLst>
               <a:ext uri="{FF2B5EF4-FFF2-40B4-BE49-F238E27FC236}">
-                <a16:creationId xmlns:a16="http://schemas.microsoft.com/office/drawing/2014/main" xmlns="" id="{2D73A99C-A85D-4ECE-BA32-E564CFE39ADA}"/>
+                <a16:creationId xmlns:a16="http://schemas.microsoft.com/office/drawing/2014/main" id="{2D73A99C-A85D-4ECE-BA32-E564CFE39ADA}"/>
               </a:ext>
             </a:extLst>
           </p:cNvPr>
@@ -7238,7 +7229,7 @@
           <p:cNvPr id="4" name="Segnaposto testo 3">
             <a:extLst>
               <a:ext uri="{FF2B5EF4-FFF2-40B4-BE49-F238E27FC236}">
-                <a16:creationId xmlns:a16="http://schemas.microsoft.com/office/drawing/2014/main" xmlns="" id="{99BEBF26-1F3D-4185-9411-26265214C66D}"/>
+                <a16:creationId xmlns:a16="http://schemas.microsoft.com/office/drawing/2014/main" id="{99BEBF26-1F3D-4185-9411-26265214C66D}"/>
               </a:ext>
             </a:extLst>
           </p:cNvPr>
@@ -7282,13 +7273,6 @@
   <p:clrMapOvr>
     <a:masterClrMapping/>
   </p:clrMapOvr>
-  <p:timing>
-    <p:tnLst>
-      <p:par>
-        <p:cTn id="1" dur="indefinite" restart="never" nodeType="tmRoot"/>
-      </p:par>
-    </p:tnLst>
-  </p:timing>
 </p:sld>
 </file>
 
@@ -7314,7 +7298,7 @@
           <p:cNvPr id="2" name="Titolo 1">
             <a:extLst>
               <a:ext uri="{FF2B5EF4-FFF2-40B4-BE49-F238E27FC236}">
-                <a16:creationId xmlns:a16="http://schemas.microsoft.com/office/drawing/2014/main" xmlns="" id="{F72E7F66-5241-4DA1-925D-C0855149E8E4}"/>
+                <a16:creationId xmlns:a16="http://schemas.microsoft.com/office/drawing/2014/main" id="{F72E7F66-5241-4DA1-925D-C0855149E8E4}"/>
               </a:ext>
             </a:extLst>
           </p:cNvPr>
@@ -7347,13 +7331,6 @@
   <p:clrMapOvr>
     <a:masterClrMapping/>
   </p:clrMapOvr>
-  <p:timing>
-    <p:tnLst>
-      <p:par>
-        <p:cTn id="1" dur="indefinite" restart="never" nodeType="tmRoot"/>
-      </p:par>
-    </p:tnLst>
-  </p:timing>
 </p:sld>
 </file>
 
@@ -7379,7 +7356,7 @@
           <p:cNvPr id="2" name="Titolo 1">
             <a:extLst>
               <a:ext uri="{FF2B5EF4-FFF2-40B4-BE49-F238E27FC236}">
-                <a16:creationId xmlns:a16="http://schemas.microsoft.com/office/drawing/2014/main" xmlns="" id="{05AD02E5-74E0-4D04-BA44-18AC0675963A}"/>
+                <a16:creationId xmlns:a16="http://schemas.microsoft.com/office/drawing/2014/main" id="{05AD02E5-74E0-4D04-BA44-18AC0675963A}"/>
               </a:ext>
             </a:extLst>
           </p:cNvPr>
@@ -7412,7 +7389,7 @@
           <p:cNvPr id="4" name="Segnaposto testo 3">
             <a:extLst>
               <a:ext uri="{FF2B5EF4-FFF2-40B4-BE49-F238E27FC236}">
-                <a16:creationId xmlns:a16="http://schemas.microsoft.com/office/drawing/2014/main" xmlns="" id="{445596A1-3758-4E0F-AE41-76F5C0F67C74}"/>
+                <a16:creationId xmlns:a16="http://schemas.microsoft.com/office/drawing/2014/main" id="{445596A1-3758-4E0F-AE41-76F5C0F67C74}"/>
               </a:ext>
             </a:extLst>
           </p:cNvPr>
@@ -7457,13 +7434,6 @@
   <p:clrMapOvr>
     <a:masterClrMapping/>
   </p:clrMapOvr>
-  <p:timing>
-    <p:tnLst>
-      <p:par>
-        <p:cTn id="1" dur="indefinite" restart="never" nodeType="tmRoot"/>
-      </p:par>
-    </p:tnLst>
-  </p:timing>
 </p:sld>
 </file>
 
@@ -7489,7 +7459,7 @@
           <p:cNvPr id="4" name="Immagine 3">
             <a:extLst>
               <a:ext uri="{FF2B5EF4-FFF2-40B4-BE49-F238E27FC236}">
-                <a16:creationId xmlns:a16="http://schemas.microsoft.com/office/drawing/2014/main" xmlns="" id="{0D93E09F-9523-4430-ACFC-024E623AAD0B}"/>
+                <a16:creationId xmlns:a16="http://schemas.microsoft.com/office/drawing/2014/main" id="{0D93E09F-9523-4430-ACFC-024E623AAD0B}"/>
               </a:ext>
             </a:extLst>
           </p:cNvPr>
@@ -7524,13 +7494,6 @@
   <p:clrMapOvr>
     <a:masterClrMapping/>
   </p:clrMapOvr>
-  <p:timing>
-    <p:tnLst>
-      <p:par>
-        <p:cTn id="1" dur="indefinite" restart="never" nodeType="tmRoot"/>
-      </p:par>
-    </p:tnLst>
-  </p:timing>
 </p:sld>
 </file>
 
@@ -7556,7 +7519,7 @@
           <p:cNvPr id="2" name="Titolo 1">
             <a:extLst>
               <a:ext uri="{FF2B5EF4-FFF2-40B4-BE49-F238E27FC236}">
-                <a16:creationId xmlns:a16="http://schemas.microsoft.com/office/drawing/2014/main" xmlns="" id="{1FACC930-0765-4217-8E88-3B5BEEF07BC4}"/>
+                <a16:creationId xmlns:a16="http://schemas.microsoft.com/office/drawing/2014/main" id="{1FACC930-0765-4217-8E88-3B5BEEF07BC4}"/>
               </a:ext>
             </a:extLst>
           </p:cNvPr>
@@ -7589,13 +7552,6 @@
   <p:clrMapOvr>
     <a:masterClrMapping/>
   </p:clrMapOvr>
-  <p:timing>
-    <p:tnLst>
-      <p:par>
-        <p:cTn id="1" dur="indefinite" restart="never" nodeType="tmRoot"/>
-      </p:par>
-    </p:tnLst>
-  </p:timing>
 </p:sld>
 </file>
 
@@ -7621,7 +7577,7 @@
           <p:cNvPr id="2" name="Titolo 1">
             <a:extLst>
               <a:ext uri="{FF2B5EF4-FFF2-40B4-BE49-F238E27FC236}">
-                <a16:creationId xmlns:a16="http://schemas.microsoft.com/office/drawing/2014/main" xmlns="" id="{59DE3B86-26D5-4E9F-8AF7-C663C72701DB}"/>
+                <a16:creationId xmlns:a16="http://schemas.microsoft.com/office/drawing/2014/main" id="{59DE3B86-26D5-4E9F-8AF7-C663C72701DB}"/>
               </a:ext>
             </a:extLst>
           </p:cNvPr>
@@ -7638,10 +7594,9 @@
           <a:lstStyle/>
           <a:p>
             <a:r>
-              <a:rPr lang="it-CH" dirty="0" smtClean="0"/>
+              <a:rPr lang="it-CH" dirty="0"/>
               <a:t>Progettazione - Consuntivo</a:t>
             </a:r>
-            <a:endParaRPr lang="it-CH" dirty="0"/>
           </a:p>
         </p:txBody>
       </p:sp>
@@ -7685,13 +7640,6 @@
   <p:clrMapOvr>
     <a:masterClrMapping/>
   </p:clrMapOvr>
-  <p:timing>
-    <p:tnLst>
-      <p:par>
-        <p:cTn id="1" dur="indefinite" restart="never" nodeType="tmRoot"/>
-      </p:par>
-    </p:tnLst>
-  </p:timing>
 </p:sld>
 </file>
 
@@ -7717,7 +7665,7 @@
           <p:cNvPr id="2" name="Titolo 1">
             <a:extLst>
               <a:ext uri="{FF2B5EF4-FFF2-40B4-BE49-F238E27FC236}">
-                <a16:creationId xmlns:a16="http://schemas.microsoft.com/office/drawing/2014/main" xmlns="" id="{69AFAA87-35FB-4882-A814-3371435872ED}"/>
+                <a16:creationId xmlns:a16="http://schemas.microsoft.com/office/drawing/2014/main" id="{69AFAA87-35FB-4882-A814-3371435872ED}"/>
               </a:ext>
             </a:extLst>
           </p:cNvPr>
@@ -7750,7 +7698,7 @@
           <p:cNvPr id="4" name="Segnaposto testo 3">
             <a:extLst>
               <a:ext uri="{FF2B5EF4-FFF2-40B4-BE49-F238E27FC236}">
-                <a16:creationId xmlns:a16="http://schemas.microsoft.com/office/drawing/2014/main" xmlns="" id="{4FD26C42-D248-47D8-BED9-32265BD61215}"/>
+                <a16:creationId xmlns:a16="http://schemas.microsoft.com/office/drawing/2014/main" id="{4FD26C42-D248-47D8-BED9-32265BD61215}"/>
               </a:ext>
             </a:extLst>
           </p:cNvPr>
@@ -7789,13 +7737,6 @@
   <p:clrMapOvr>
     <a:masterClrMapping/>
   </p:clrMapOvr>
-  <p:timing>
-    <p:tnLst>
-      <p:par>
-        <p:cTn id="1" dur="indefinite" restart="never" nodeType="tmRoot"/>
-      </p:par>
-    </p:tnLst>
-  </p:timing>
 </p:sld>
 </file>
 
@@ -7821,7 +7762,7 @@
           <p:cNvPr id="2" name="Titolo 1">
             <a:extLst>
               <a:ext uri="{FF2B5EF4-FFF2-40B4-BE49-F238E27FC236}">
-                <a16:creationId xmlns:a16="http://schemas.microsoft.com/office/drawing/2014/main" xmlns="" id="{0CFEF209-8018-4494-8431-520D69938A92}"/>
+                <a16:creationId xmlns:a16="http://schemas.microsoft.com/office/drawing/2014/main" id="{0CFEF209-8018-4494-8431-520D69938A92}"/>
               </a:ext>
             </a:extLst>
           </p:cNvPr>
@@ -7854,7 +7795,7 @@
           <p:cNvPr id="4" name="Segnaposto testo 3">
             <a:extLst>
               <a:ext uri="{FF2B5EF4-FFF2-40B4-BE49-F238E27FC236}">
-                <a16:creationId xmlns:a16="http://schemas.microsoft.com/office/drawing/2014/main" xmlns="" id="{87D7CBF7-AF35-4ECC-8170-6402FB34618A}"/>
+                <a16:creationId xmlns:a16="http://schemas.microsoft.com/office/drawing/2014/main" id="{87D7CBF7-AF35-4ECC-8170-6402FB34618A}"/>
               </a:ext>
             </a:extLst>
           </p:cNvPr>
@@ -7893,13 +7834,6 @@
   <p:clrMapOvr>
     <a:masterClrMapping/>
   </p:clrMapOvr>
-  <p:timing>
-    <p:tnLst>
-      <p:par>
-        <p:cTn id="1" dur="indefinite" restart="never" nodeType="tmRoot"/>
-      </p:par>
-    </p:tnLst>
-  </p:timing>
 </p:sld>
 </file>
 
@@ -7925,7 +7859,7 @@
           <p:cNvPr id="2" name="Titolo 1">
             <a:extLst>
               <a:ext uri="{FF2B5EF4-FFF2-40B4-BE49-F238E27FC236}">
-                <a16:creationId xmlns:a16="http://schemas.microsoft.com/office/drawing/2014/main" xmlns="" id="{94C27513-8D10-4101-8056-BAD0A9B8987C}"/>
+                <a16:creationId xmlns:a16="http://schemas.microsoft.com/office/drawing/2014/main" id="{94C27513-8D10-4101-8056-BAD0A9B8987C}"/>
               </a:ext>
             </a:extLst>
           </p:cNvPr>
@@ -7958,13 +7892,6 @@
   <p:clrMapOvr>
     <a:masterClrMapping/>
   </p:clrMapOvr>
-  <p:timing>
-    <p:tnLst>
-      <p:par>
-        <p:cTn id="1" dur="indefinite" restart="never" nodeType="tmRoot"/>
-      </p:par>
-    </p:tnLst>
-  </p:timing>
 </p:sld>
 </file>
 
@@ -8092,13 +8019,6 @@
   <p:clrMapOvr>
     <a:masterClrMapping/>
   </p:clrMapOvr>
-  <p:timing>
-    <p:tnLst>
-      <p:par>
-        <p:cTn id="1" dur="indefinite" restart="never" nodeType="tmRoot"/>
-      </p:par>
-    </p:tnLst>
-  </p:timing>
 </p:sld>
 </file>
 
@@ -8124,7 +8044,7 @@
           <p:cNvPr id="2" name="Titolo 1">
             <a:extLst>
               <a:ext uri="{FF2B5EF4-FFF2-40B4-BE49-F238E27FC236}">
-                <a16:creationId xmlns:a16="http://schemas.microsoft.com/office/drawing/2014/main" xmlns="" id="{1450D818-A588-4B5E-B532-6874D95CAA5D}"/>
+                <a16:creationId xmlns:a16="http://schemas.microsoft.com/office/drawing/2014/main" id="{1450D818-A588-4B5E-B532-6874D95CAA5D}"/>
               </a:ext>
             </a:extLst>
           </p:cNvPr>
@@ -8157,7 +8077,7 @@
           <p:cNvPr id="4" name="Segnaposto testo 3">
             <a:extLst>
               <a:ext uri="{FF2B5EF4-FFF2-40B4-BE49-F238E27FC236}">
-                <a16:creationId xmlns:a16="http://schemas.microsoft.com/office/drawing/2014/main" xmlns="" id="{2AEF2C72-D528-447A-A974-445EDBB318E1}"/>
+                <a16:creationId xmlns:a16="http://schemas.microsoft.com/office/drawing/2014/main" id="{2AEF2C72-D528-447A-A974-445EDBB318E1}"/>
               </a:ext>
             </a:extLst>
           </p:cNvPr>
@@ -8202,13 +8122,6 @@
   <p:clrMapOvr>
     <a:masterClrMapping/>
   </p:clrMapOvr>
-  <p:timing>
-    <p:tnLst>
-      <p:par>
-        <p:cTn id="1" dur="indefinite" restart="never" nodeType="tmRoot"/>
-      </p:par>
-    </p:tnLst>
-  </p:timing>
 </p:sld>
 </file>
 
@@ -8234,7 +8147,7 @@
           <p:cNvPr id="2" name="Titolo 1">
             <a:extLst>
               <a:ext uri="{FF2B5EF4-FFF2-40B4-BE49-F238E27FC236}">
-                <a16:creationId xmlns:a16="http://schemas.microsoft.com/office/drawing/2014/main" xmlns="" id="{E163D91F-0DC1-4D2C-AD82-5B765903CA4C}"/>
+                <a16:creationId xmlns:a16="http://schemas.microsoft.com/office/drawing/2014/main" id="{E163D91F-0DC1-4D2C-AD82-5B765903CA4C}"/>
               </a:ext>
             </a:extLst>
           </p:cNvPr>
@@ -8262,7 +8175,7 @@
           <p:cNvPr id="4" name="Segnaposto testo 3">
             <a:extLst>
               <a:ext uri="{FF2B5EF4-FFF2-40B4-BE49-F238E27FC236}">
-                <a16:creationId xmlns:a16="http://schemas.microsoft.com/office/drawing/2014/main" xmlns="" id="{D8ED4839-9800-471F-9D62-2CA53430B046}"/>
+                <a16:creationId xmlns:a16="http://schemas.microsoft.com/office/drawing/2014/main" id="{D8ED4839-9800-471F-9D62-2CA53430B046}"/>
               </a:ext>
             </a:extLst>
           </p:cNvPr>
@@ -8280,7 +8193,21 @@
           <a:p>
             <a:r>
               <a:rPr lang="it-CH" dirty="0"/>
-              <a:t>Libreria che riprende il blocchetto «wait»</a:t>
+              <a:t>Libreria che riprende il blocchetto «</a:t>
+            </a:r>
+            <a:r>
+              <a:rPr lang="it-CH" dirty="0" err="1"/>
+              <a:t>wait</a:t>
+            </a:r>
+            <a:r>
+              <a:rPr lang="it-CH" dirty="0"/>
+              <a:t>»</a:t>
+            </a:r>
+          </a:p>
+          <a:p>
+            <a:r>
+              <a:rPr lang="it-CH" dirty="0"/>
+              <a:t>Guida all’utilizzo della libreria</a:t>
             </a:r>
           </a:p>
           <a:p>
@@ -8307,13 +8234,6 @@
   <p:clrMapOvr>
     <a:masterClrMapping/>
   </p:clrMapOvr>
-  <p:timing>
-    <p:tnLst>
-      <p:par>
-        <p:cTn id="1" dur="indefinite" restart="never" nodeType="tmRoot"/>
-      </p:par>
-    </p:tnLst>
-  </p:timing>
 </p:sld>
 </file>
 
@@ -8339,7 +8259,7 @@
           <p:cNvPr id="2" name="Titolo 1">
             <a:extLst>
               <a:ext uri="{FF2B5EF4-FFF2-40B4-BE49-F238E27FC236}">
-                <a16:creationId xmlns:a16="http://schemas.microsoft.com/office/drawing/2014/main" xmlns="" id="{59DE3B86-26D5-4E9F-8AF7-C663C72701DB}"/>
+                <a16:creationId xmlns:a16="http://schemas.microsoft.com/office/drawing/2014/main" id="{59DE3B86-26D5-4E9F-8AF7-C663C72701DB}"/>
               </a:ext>
             </a:extLst>
           </p:cNvPr>
@@ -8356,10 +8276,9 @@
           <a:lstStyle/>
           <a:p>
             <a:r>
-              <a:rPr lang="it-CH" dirty="0" smtClean="0"/>
+              <a:rPr lang="it-CH" dirty="0"/>
               <a:t>Progettazione - Preventivo</a:t>
             </a:r>
-            <a:endParaRPr lang="it-CH" dirty="0"/>
           </a:p>
         </p:txBody>
       </p:sp>
@@ -8368,7 +8287,7 @@
           <p:cNvPr id="3" name="Immagine 2">
             <a:extLst>
               <a:ext uri="{FF2B5EF4-FFF2-40B4-BE49-F238E27FC236}">
-                <a16:creationId xmlns:a16="http://schemas.microsoft.com/office/drawing/2014/main" xmlns="" id="{1EB9AD68-84CD-41C8-8BBA-82CE58DA57E6}"/>
+                <a16:creationId xmlns:a16="http://schemas.microsoft.com/office/drawing/2014/main" id="{1EB9AD68-84CD-41C8-8BBA-82CE58DA57E6}"/>
               </a:ext>
             </a:extLst>
           </p:cNvPr>
@@ -8403,13 +8322,6 @@
   <p:clrMapOvr>
     <a:masterClrMapping/>
   </p:clrMapOvr>
-  <p:timing>
-    <p:tnLst>
-      <p:par>
-        <p:cTn id="1" dur="indefinite" restart="never" nodeType="tmRoot"/>
-      </p:par>
-    </p:tnLst>
-  </p:timing>
 </p:sld>
 </file>
 
@@ -8435,7 +8347,7 @@
           <p:cNvPr id="2" name="Titolo 1">
             <a:extLst>
               <a:ext uri="{FF2B5EF4-FFF2-40B4-BE49-F238E27FC236}">
-                <a16:creationId xmlns:a16="http://schemas.microsoft.com/office/drawing/2014/main" xmlns="" id="{F978D8A1-2E50-4367-8FA3-E0D91154F9BA}"/>
+                <a16:creationId xmlns:a16="http://schemas.microsoft.com/office/drawing/2014/main" id="{F978D8A1-2E50-4367-8FA3-E0D91154F9BA}"/>
               </a:ext>
             </a:extLst>
           </p:cNvPr>
@@ -8463,7 +8375,7 @@
           <p:cNvPr id="4" name="Immagine 3">
             <a:extLst>
               <a:ext uri="{FF2B5EF4-FFF2-40B4-BE49-F238E27FC236}">
-                <a16:creationId xmlns:a16="http://schemas.microsoft.com/office/drawing/2014/main" xmlns="" id="{FBEC5745-4133-412D-AE2A-203CBD9B59C0}"/>
+                <a16:creationId xmlns:a16="http://schemas.microsoft.com/office/drawing/2014/main" id="{FBEC5745-4133-412D-AE2A-203CBD9B59C0}"/>
               </a:ext>
             </a:extLst>
           </p:cNvPr>
@@ -8498,13 +8410,6 @@
   <p:clrMapOvr>
     <a:masterClrMapping/>
   </p:clrMapOvr>
-  <p:timing>
-    <p:tnLst>
-      <p:par>
-        <p:cTn id="1" dur="indefinite" restart="never" nodeType="tmRoot"/>
-      </p:par>
-    </p:tnLst>
-  </p:timing>
 </p:sld>
 </file>
 
@@ -8530,7 +8435,7 @@
           <p:cNvPr id="2" name="Titolo 1">
             <a:extLst>
               <a:ext uri="{FF2B5EF4-FFF2-40B4-BE49-F238E27FC236}">
-                <a16:creationId xmlns:a16="http://schemas.microsoft.com/office/drawing/2014/main" xmlns="" id="{039124A8-829A-47CB-A02F-351D46B62238}"/>
+                <a16:creationId xmlns:a16="http://schemas.microsoft.com/office/drawing/2014/main" id="{039124A8-829A-47CB-A02F-351D46B62238}"/>
               </a:ext>
             </a:extLst>
           </p:cNvPr>
@@ -8563,13 +8468,6 @@
   <p:clrMapOvr>
     <a:masterClrMapping/>
   </p:clrMapOvr>
-  <p:timing>
-    <p:tnLst>
-      <p:par>
-        <p:cTn id="1" dur="indefinite" restart="never" nodeType="tmRoot"/>
-      </p:par>
-    </p:tnLst>
-  </p:timing>
 </p:sld>
 </file>
 
@@ -8595,7 +8493,7 @@
           <p:cNvPr id="2" name="Titolo 1">
             <a:extLst>
               <a:ext uri="{FF2B5EF4-FFF2-40B4-BE49-F238E27FC236}">
-                <a16:creationId xmlns:a16="http://schemas.microsoft.com/office/drawing/2014/main" xmlns="" id="{E5311F4B-628B-47BD-98FE-3519C5BDBA36}"/>
+                <a16:creationId xmlns:a16="http://schemas.microsoft.com/office/drawing/2014/main" id="{E5311F4B-628B-47BD-98FE-3519C5BDBA36}"/>
               </a:ext>
             </a:extLst>
           </p:cNvPr>
@@ -8623,7 +8521,7 @@
           <p:cNvPr id="3" name="Sottotitolo 2">
             <a:extLst>
               <a:ext uri="{FF2B5EF4-FFF2-40B4-BE49-F238E27FC236}">
-                <a16:creationId xmlns:a16="http://schemas.microsoft.com/office/drawing/2014/main" xmlns="" id="{8BC5BB99-0D9A-4D4A-9E8E-2DE3B1B8488F}"/>
+                <a16:creationId xmlns:a16="http://schemas.microsoft.com/office/drawing/2014/main" id="{8BC5BB99-0D9A-4D4A-9E8E-2DE3B1B8488F}"/>
               </a:ext>
             </a:extLst>
           </p:cNvPr>
@@ -8651,7 +8549,7 @@
           <p:cNvPr id="4" name="Segnaposto testo 3">
             <a:extLst>
               <a:ext uri="{FF2B5EF4-FFF2-40B4-BE49-F238E27FC236}">
-                <a16:creationId xmlns:a16="http://schemas.microsoft.com/office/drawing/2014/main" xmlns="" id="{3579A793-E688-4F29-95A3-5EFA8E7FCA98}"/>
+                <a16:creationId xmlns:a16="http://schemas.microsoft.com/office/drawing/2014/main" id="{3579A793-E688-4F29-95A3-5EFA8E7FCA98}"/>
               </a:ext>
             </a:extLst>
           </p:cNvPr>
@@ -8696,13 +8594,6 @@
   <p:clrMapOvr>
     <a:masterClrMapping/>
   </p:clrMapOvr>
-  <p:timing>
-    <p:tnLst>
-      <p:par>
-        <p:cTn id="1" dur="indefinite" restart="never" nodeType="tmRoot"/>
-      </p:par>
-    </p:tnLst>
-  </p:timing>
 </p:sld>
 </file>
 
